--- a/material/aulas/07-aleatorizacao/slides.pptx
+++ b/material/aulas/07-aleatorizacao/slides.pptx
@@ -286,6 +286,485 @@
 <file path=ppt/changesInfos/changesInfo1.xml><?xml version="1.0" encoding="utf-8"?>
 <pc:chgInfo xmlns:a="http://schemas.openxmlformats.org/drawingml/2006/main" xmlns:r="http://schemas.openxmlformats.org/officeDocument/2006/relationships" xmlns:ac="http://schemas.microsoft.com/office/drawing/2013/main/command" xmlns:pc="http://schemas.microsoft.com/office/powerpoint/2013/main/command">
   <pc:docChgLst>
+    <pc:chgData name="Luciano Pereira Soares" userId="16c53e34-c952-423e-8700-c0525d23304f" providerId="ADAL" clId="{21D76053-4FC2-8046-8E35-708C3EA86774}"/>
+    <pc:docChg chg="custSel delSld modSld modSection">
+      <pc:chgData name="Luciano Pereira Soares" userId="16c53e34-c952-423e-8700-c0525d23304f" providerId="ADAL" clId="{21D76053-4FC2-8046-8E35-708C3EA86774}" dt="2022-08-17T00:34:52.779" v="1" actId="2696"/>
+      <pc:docMkLst>
+        <pc:docMk/>
+      </pc:docMkLst>
+      <pc:sldChg chg="del">
+        <pc:chgData name="Luciano Pereira Soares" userId="16c53e34-c952-423e-8700-c0525d23304f" providerId="ADAL" clId="{21D76053-4FC2-8046-8E35-708C3EA86774}" dt="2022-08-17T00:34:52.779" v="1" actId="2696"/>
+        <pc:sldMkLst>
+          <pc:docMk/>
+          <pc:sldMk cId="0" sldId="256"/>
+        </pc:sldMkLst>
+      </pc:sldChg>
+      <pc:sldChg chg="del">
+        <pc:chgData name="Luciano Pereira Soares" userId="16c53e34-c952-423e-8700-c0525d23304f" providerId="ADAL" clId="{21D76053-4FC2-8046-8E35-708C3EA86774}" dt="2022-08-17T00:34:52.779" v="1" actId="2696"/>
+        <pc:sldMkLst>
+          <pc:docMk/>
+          <pc:sldMk cId="0" sldId="276"/>
+        </pc:sldMkLst>
+      </pc:sldChg>
+      <pc:sldChg chg="del">
+        <pc:chgData name="Luciano Pereira Soares" userId="16c53e34-c952-423e-8700-c0525d23304f" providerId="ADAL" clId="{21D76053-4FC2-8046-8E35-708C3EA86774}" dt="2022-08-17T00:34:52.779" v="1" actId="2696"/>
+        <pc:sldMkLst>
+          <pc:docMk/>
+          <pc:sldMk cId="3492238989" sldId="277"/>
+        </pc:sldMkLst>
+      </pc:sldChg>
+      <pc:sldChg chg="del">
+        <pc:chgData name="Luciano Pereira Soares" userId="16c53e34-c952-423e-8700-c0525d23304f" providerId="ADAL" clId="{21D76053-4FC2-8046-8E35-708C3EA86774}" dt="2022-08-17T00:34:52.779" v="1" actId="2696"/>
+        <pc:sldMkLst>
+          <pc:docMk/>
+          <pc:sldMk cId="1551982945" sldId="278"/>
+        </pc:sldMkLst>
+      </pc:sldChg>
+      <pc:sldChg chg="del">
+        <pc:chgData name="Luciano Pereira Soares" userId="16c53e34-c952-423e-8700-c0525d23304f" providerId="ADAL" clId="{21D76053-4FC2-8046-8E35-708C3EA86774}" dt="2022-08-17T00:34:52.779" v="1" actId="2696"/>
+        <pc:sldMkLst>
+          <pc:docMk/>
+          <pc:sldMk cId="1150689142" sldId="279"/>
+        </pc:sldMkLst>
+      </pc:sldChg>
+      <pc:sldChg chg="del">
+        <pc:chgData name="Luciano Pereira Soares" userId="16c53e34-c952-423e-8700-c0525d23304f" providerId="ADAL" clId="{21D76053-4FC2-8046-8E35-708C3EA86774}" dt="2022-08-17T00:34:52.779" v="1" actId="2696"/>
+        <pc:sldMkLst>
+          <pc:docMk/>
+          <pc:sldMk cId="956012993" sldId="280"/>
+        </pc:sldMkLst>
+      </pc:sldChg>
+      <pc:sldChg chg="del">
+        <pc:chgData name="Luciano Pereira Soares" userId="16c53e34-c952-423e-8700-c0525d23304f" providerId="ADAL" clId="{21D76053-4FC2-8046-8E35-708C3EA86774}" dt="2022-08-17T00:34:52.779" v="1" actId="2696"/>
+        <pc:sldMkLst>
+          <pc:docMk/>
+          <pc:sldMk cId="417571930" sldId="281"/>
+        </pc:sldMkLst>
+      </pc:sldChg>
+      <pc:sldChg chg="del">
+        <pc:chgData name="Luciano Pereira Soares" userId="16c53e34-c952-423e-8700-c0525d23304f" providerId="ADAL" clId="{21D76053-4FC2-8046-8E35-708C3EA86774}" dt="2022-08-17T00:34:52.779" v="1" actId="2696"/>
+        <pc:sldMkLst>
+          <pc:docMk/>
+          <pc:sldMk cId="1091742777" sldId="282"/>
+        </pc:sldMkLst>
+      </pc:sldChg>
+      <pc:sldChg chg="del">
+        <pc:chgData name="Luciano Pereira Soares" userId="16c53e34-c952-423e-8700-c0525d23304f" providerId="ADAL" clId="{21D76053-4FC2-8046-8E35-708C3EA86774}" dt="2022-08-17T00:34:52.779" v="1" actId="2696"/>
+        <pc:sldMkLst>
+          <pc:docMk/>
+          <pc:sldMk cId="1554898846" sldId="283"/>
+        </pc:sldMkLst>
+      </pc:sldChg>
+      <pc:sldChg chg="del">
+        <pc:chgData name="Luciano Pereira Soares" userId="16c53e34-c952-423e-8700-c0525d23304f" providerId="ADAL" clId="{21D76053-4FC2-8046-8E35-708C3EA86774}" dt="2022-08-17T00:34:52.779" v="1" actId="2696"/>
+        <pc:sldMkLst>
+          <pc:docMk/>
+          <pc:sldMk cId="1623398612" sldId="284"/>
+        </pc:sldMkLst>
+      </pc:sldChg>
+      <pc:sldChg chg="delSp del mod">
+        <pc:chgData name="Luciano Pereira Soares" userId="16c53e34-c952-423e-8700-c0525d23304f" providerId="ADAL" clId="{21D76053-4FC2-8046-8E35-708C3EA86774}" dt="2022-08-17T00:34:52.779" v="1" actId="2696"/>
+        <pc:sldMkLst>
+          <pc:docMk/>
+          <pc:sldMk cId="3610650140" sldId="285"/>
+        </pc:sldMkLst>
+        <pc:spChg chg="del">
+          <ac:chgData name="Luciano Pereira Soares" userId="16c53e34-c952-423e-8700-c0525d23304f" providerId="ADAL" clId="{21D76053-4FC2-8046-8E35-708C3EA86774}" dt="2022-08-15T21:48:35.069" v="0" actId="478"/>
+          <ac:spMkLst>
+            <pc:docMk/>
+            <pc:sldMk cId="3610650140" sldId="285"/>
+            <ac:spMk id="3" creationId="{92017288-34E3-384C-A876-1B3DB9BB03C6}"/>
+          </ac:spMkLst>
+        </pc:spChg>
+      </pc:sldChg>
+      <pc:sldChg chg="del">
+        <pc:chgData name="Luciano Pereira Soares" userId="16c53e34-c952-423e-8700-c0525d23304f" providerId="ADAL" clId="{21D76053-4FC2-8046-8E35-708C3EA86774}" dt="2022-08-17T00:34:52.779" v="1" actId="2696"/>
+        <pc:sldMkLst>
+          <pc:docMk/>
+          <pc:sldMk cId="1037304665" sldId="286"/>
+        </pc:sldMkLst>
+      </pc:sldChg>
+      <pc:sldChg chg="del">
+        <pc:chgData name="Luciano Pereira Soares" userId="16c53e34-c952-423e-8700-c0525d23304f" providerId="ADAL" clId="{21D76053-4FC2-8046-8E35-708C3EA86774}" dt="2022-08-17T00:34:52.779" v="1" actId="2696"/>
+        <pc:sldMkLst>
+          <pc:docMk/>
+          <pc:sldMk cId="1290008027" sldId="287"/>
+        </pc:sldMkLst>
+      </pc:sldChg>
+      <pc:sldChg chg="del">
+        <pc:chgData name="Luciano Pereira Soares" userId="16c53e34-c952-423e-8700-c0525d23304f" providerId="ADAL" clId="{21D76053-4FC2-8046-8E35-708C3EA86774}" dt="2022-08-17T00:34:52.779" v="1" actId="2696"/>
+        <pc:sldMkLst>
+          <pc:docMk/>
+          <pc:sldMk cId="3583880700" sldId="288"/>
+        </pc:sldMkLst>
+      </pc:sldChg>
+      <pc:sldChg chg="del">
+        <pc:chgData name="Luciano Pereira Soares" userId="16c53e34-c952-423e-8700-c0525d23304f" providerId="ADAL" clId="{21D76053-4FC2-8046-8E35-708C3EA86774}" dt="2022-08-17T00:34:52.779" v="1" actId="2696"/>
+        <pc:sldMkLst>
+          <pc:docMk/>
+          <pc:sldMk cId="2649827963" sldId="289"/>
+        </pc:sldMkLst>
+      </pc:sldChg>
+      <pc:sldChg chg="del">
+        <pc:chgData name="Luciano Pereira Soares" userId="16c53e34-c952-423e-8700-c0525d23304f" providerId="ADAL" clId="{21D76053-4FC2-8046-8E35-708C3EA86774}" dt="2022-08-17T00:34:52.779" v="1" actId="2696"/>
+        <pc:sldMkLst>
+          <pc:docMk/>
+          <pc:sldMk cId="141332155" sldId="290"/>
+        </pc:sldMkLst>
+      </pc:sldChg>
+      <pc:sldChg chg="del">
+        <pc:chgData name="Luciano Pereira Soares" userId="16c53e34-c952-423e-8700-c0525d23304f" providerId="ADAL" clId="{21D76053-4FC2-8046-8E35-708C3EA86774}" dt="2022-08-17T00:34:52.779" v="1" actId="2696"/>
+        <pc:sldMkLst>
+          <pc:docMk/>
+          <pc:sldMk cId="180960086" sldId="291"/>
+        </pc:sldMkLst>
+      </pc:sldChg>
+      <pc:sldChg chg="del">
+        <pc:chgData name="Luciano Pereira Soares" userId="16c53e34-c952-423e-8700-c0525d23304f" providerId="ADAL" clId="{21D76053-4FC2-8046-8E35-708C3EA86774}" dt="2022-08-17T00:34:52.779" v="1" actId="2696"/>
+        <pc:sldMkLst>
+          <pc:docMk/>
+          <pc:sldMk cId="1134358883" sldId="292"/>
+        </pc:sldMkLst>
+      </pc:sldChg>
+      <pc:sldChg chg="del">
+        <pc:chgData name="Luciano Pereira Soares" userId="16c53e34-c952-423e-8700-c0525d23304f" providerId="ADAL" clId="{21D76053-4FC2-8046-8E35-708C3EA86774}" dt="2022-08-17T00:34:52.779" v="1" actId="2696"/>
+        <pc:sldMkLst>
+          <pc:docMk/>
+          <pc:sldMk cId="4118138588" sldId="293"/>
+        </pc:sldMkLst>
+      </pc:sldChg>
+      <pc:sldChg chg="del">
+        <pc:chgData name="Luciano Pereira Soares" userId="16c53e34-c952-423e-8700-c0525d23304f" providerId="ADAL" clId="{21D76053-4FC2-8046-8E35-708C3EA86774}" dt="2022-08-17T00:34:52.779" v="1" actId="2696"/>
+        <pc:sldMkLst>
+          <pc:docMk/>
+          <pc:sldMk cId="388771689" sldId="294"/>
+        </pc:sldMkLst>
+      </pc:sldChg>
+      <pc:sldChg chg="del">
+        <pc:chgData name="Luciano Pereira Soares" userId="16c53e34-c952-423e-8700-c0525d23304f" providerId="ADAL" clId="{21D76053-4FC2-8046-8E35-708C3EA86774}" dt="2022-08-17T00:34:52.779" v="1" actId="2696"/>
+        <pc:sldMkLst>
+          <pc:docMk/>
+          <pc:sldMk cId="3626902687" sldId="295"/>
+        </pc:sldMkLst>
+      </pc:sldChg>
+      <pc:sldChg chg="del">
+        <pc:chgData name="Luciano Pereira Soares" userId="16c53e34-c952-423e-8700-c0525d23304f" providerId="ADAL" clId="{21D76053-4FC2-8046-8E35-708C3EA86774}" dt="2022-08-17T00:34:52.779" v="1" actId="2696"/>
+        <pc:sldMkLst>
+          <pc:docMk/>
+          <pc:sldMk cId="2084337191" sldId="296"/>
+        </pc:sldMkLst>
+      </pc:sldChg>
+      <pc:sldChg chg="del">
+        <pc:chgData name="Luciano Pereira Soares" userId="16c53e34-c952-423e-8700-c0525d23304f" providerId="ADAL" clId="{21D76053-4FC2-8046-8E35-708C3EA86774}" dt="2022-08-17T00:34:52.779" v="1" actId="2696"/>
+        <pc:sldMkLst>
+          <pc:docMk/>
+          <pc:sldMk cId="1073595821" sldId="297"/>
+        </pc:sldMkLst>
+      </pc:sldChg>
+      <pc:sldChg chg="del">
+        <pc:chgData name="Luciano Pereira Soares" userId="16c53e34-c952-423e-8700-c0525d23304f" providerId="ADAL" clId="{21D76053-4FC2-8046-8E35-708C3EA86774}" dt="2022-08-17T00:34:52.779" v="1" actId="2696"/>
+        <pc:sldMkLst>
+          <pc:docMk/>
+          <pc:sldMk cId="2045755376" sldId="298"/>
+        </pc:sldMkLst>
+      </pc:sldChg>
+      <pc:sldChg chg="del">
+        <pc:chgData name="Luciano Pereira Soares" userId="16c53e34-c952-423e-8700-c0525d23304f" providerId="ADAL" clId="{21D76053-4FC2-8046-8E35-708C3EA86774}" dt="2022-08-17T00:34:52.779" v="1" actId="2696"/>
+        <pc:sldMkLst>
+          <pc:docMk/>
+          <pc:sldMk cId="1374221417" sldId="299"/>
+        </pc:sldMkLst>
+      </pc:sldChg>
+      <pc:sldChg chg="del">
+        <pc:chgData name="Luciano Pereira Soares" userId="16c53e34-c952-423e-8700-c0525d23304f" providerId="ADAL" clId="{21D76053-4FC2-8046-8E35-708C3EA86774}" dt="2022-08-17T00:34:52.779" v="1" actId="2696"/>
+        <pc:sldMkLst>
+          <pc:docMk/>
+          <pc:sldMk cId="3034044073" sldId="300"/>
+        </pc:sldMkLst>
+      </pc:sldChg>
+      <pc:sldChg chg="del">
+        <pc:chgData name="Luciano Pereira Soares" userId="16c53e34-c952-423e-8700-c0525d23304f" providerId="ADAL" clId="{21D76053-4FC2-8046-8E35-708C3EA86774}" dt="2022-08-17T00:34:52.779" v="1" actId="2696"/>
+        <pc:sldMkLst>
+          <pc:docMk/>
+          <pc:sldMk cId="3269634474" sldId="301"/>
+        </pc:sldMkLst>
+      </pc:sldChg>
+      <pc:sldChg chg="del">
+        <pc:chgData name="Luciano Pereira Soares" userId="16c53e34-c952-423e-8700-c0525d23304f" providerId="ADAL" clId="{21D76053-4FC2-8046-8E35-708C3EA86774}" dt="2022-08-17T00:34:52.779" v="1" actId="2696"/>
+        <pc:sldMkLst>
+          <pc:docMk/>
+          <pc:sldMk cId="1573913687" sldId="302"/>
+        </pc:sldMkLst>
+      </pc:sldChg>
+      <pc:sldChg chg="del">
+        <pc:chgData name="Luciano Pereira Soares" userId="16c53e34-c952-423e-8700-c0525d23304f" providerId="ADAL" clId="{21D76053-4FC2-8046-8E35-708C3EA86774}" dt="2022-08-17T00:34:52.779" v="1" actId="2696"/>
+        <pc:sldMkLst>
+          <pc:docMk/>
+          <pc:sldMk cId="2727212897" sldId="303"/>
+        </pc:sldMkLst>
+      </pc:sldChg>
+      <pc:sldChg chg="del">
+        <pc:chgData name="Luciano Pereira Soares" userId="16c53e34-c952-423e-8700-c0525d23304f" providerId="ADAL" clId="{21D76053-4FC2-8046-8E35-708C3EA86774}" dt="2022-08-17T00:34:52.779" v="1" actId="2696"/>
+        <pc:sldMkLst>
+          <pc:docMk/>
+          <pc:sldMk cId="3251471121" sldId="304"/>
+        </pc:sldMkLst>
+      </pc:sldChg>
+      <pc:sldChg chg="del">
+        <pc:chgData name="Luciano Pereira Soares" userId="16c53e34-c952-423e-8700-c0525d23304f" providerId="ADAL" clId="{21D76053-4FC2-8046-8E35-708C3EA86774}" dt="2022-08-17T00:34:52.779" v="1" actId="2696"/>
+        <pc:sldMkLst>
+          <pc:docMk/>
+          <pc:sldMk cId="453157801" sldId="305"/>
+        </pc:sldMkLst>
+      </pc:sldChg>
+      <pc:sldChg chg="del">
+        <pc:chgData name="Luciano Pereira Soares" userId="16c53e34-c952-423e-8700-c0525d23304f" providerId="ADAL" clId="{21D76053-4FC2-8046-8E35-708C3EA86774}" dt="2022-08-17T00:34:52.779" v="1" actId="2696"/>
+        <pc:sldMkLst>
+          <pc:docMk/>
+          <pc:sldMk cId="1951566873" sldId="306"/>
+        </pc:sldMkLst>
+      </pc:sldChg>
+      <pc:sldChg chg="del">
+        <pc:chgData name="Luciano Pereira Soares" userId="16c53e34-c952-423e-8700-c0525d23304f" providerId="ADAL" clId="{21D76053-4FC2-8046-8E35-708C3EA86774}" dt="2022-08-17T00:34:52.779" v="1" actId="2696"/>
+        <pc:sldMkLst>
+          <pc:docMk/>
+          <pc:sldMk cId="3878185438" sldId="307"/>
+        </pc:sldMkLst>
+      </pc:sldChg>
+      <pc:sldChg chg="del">
+        <pc:chgData name="Luciano Pereira Soares" userId="16c53e34-c952-423e-8700-c0525d23304f" providerId="ADAL" clId="{21D76053-4FC2-8046-8E35-708C3EA86774}" dt="2022-08-17T00:34:52.779" v="1" actId="2696"/>
+        <pc:sldMkLst>
+          <pc:docMk/>
+          <pc:sldMk cId="3833048560" sldId="308"/>
+        </pc:sldMkLst>
+      </pc:sldChg>
+      <pc:sldChg chg="del">
+        <pc:chgData name="Luciano Pereira Soares" userId="16c53e34-c952-423e-8700-c0525d23304f" providerId="ADAL" clId="{21D76053-4FC2-8046-8E35-708C3EA86774}" dt="2022-08-17T00:34:52.779" v="1" actId="2696"/>
+        <pc:sldMkLst>
+          <pc:docMk/>
+          <pc:sldMk cId="4192908236" sldId="309"/>
+        </pc:sldMkLst>
+      </pc:sldChg>
+      <pc:sldChg chg="del">
+        <pc:chgData name="Luciano Pereira Soares" userId="16c53e34-c952-423e-8700-c0525d23304f" providerId="ADAL" clId="{21D76053-4FC2-8046-8E35-708C3EA86774}" dt="2022-08-17T00:34:52.779" v="1" actId="2696"/>
+        <pc:sldMkLst>
+          <pc:docMk/>
+          <pc:sldMk cId="2450581019" sldId="311"/>
+        </pc:sldMkLst>
+      </pc:sldChg>
+      <pc:sldChg chg="del">
+        <pc:chgData name="Luciano Pereira Soares" userId="16c53e34-c952-423e-8700-c0525d23304f" providerId="ADAL" clId="{21D76053-4FC2-8046-8E35-708C3EA86774}" dt="2022-08-17T00:34:52.779" v="1" actId="2696"/>
+        <pc:sldMkLst>
+          <pc:docMk/>
+          <pc:sldMk cId="2608316626" sldId="312"/>
+        </pc:sldMkLst>
+      </pc:sldChg>
+      <pc:sldChg chg="del">
+        <pc:chgData name="Luciano Pereira Soares" userId="16c53e34-c952-423e-8700-c0525d23304f" providerId="ADAL" clId="{21D76053-4FC2-8046-8E35-708C3EA86774}" dt="2022-08-17T00:34:52.779" v="1" actId="2696"/>
+        <pc:sldMkLst>
+          <pc:docMk/>
+          <pc:sldMk cId="1934957580" sldId="313"/>
+        </pc:sldMkLst>
+      </pc:sldChg>
+      <pc:sldChg chg="del">
+        <pc:chgData name="Luciano Pereira Soares" userId="16c53e34-c952-423e-8700-c0525d23304f" providerId="ADAL" clId="{21D76053-4FC2-8046-8E35-708C3EA86774}" dt="2022-08-17T00:34:52.779" v="1" actId="2696"/>
+        <pc:sldMkLst>
+          <pc:docMk/>
+          <pc:sldMk cId="2807832657" sldId="314"/>
+        </pc:sldMkLst>
+      </pc:sldChg>
+      <pc:sldChg chg="del">
+        <pc:chgData name="Luciano Pereira Soares" userId="16c53e34-c952-423e-8700-c0525d23304f" providerId="ADAL" clId="{21D76053-4FC2-8046-8E35-708C3EA86774}" dt="2022-08-17T00:34:52.779" v="1" actId="2696"/>
+        <pc:sldMkLst>
+          <pc:docMk/>
+          <pc:sldMk cId="1028870872" sldId="315"/>
+        </pc:sldMkLst>
+      </pc:sldChg>
+      <pc:sldChg chg="del">
+        <pc:chgData name="Luciano Pereira Soares" userId="16c53e34-c952-423e-8700-c0525d23304f" providerId="ADAL" clId="{21D76053-4FC2-8046-8E35-708C3EA86774}" dt="2022-08-17T00:34:52.779" v="1" actId="2696"/>
+        <pc:sldMkLst>
+          <pc:docMk/>
+          <pc:sldMk cId="1189783527" sldId="316"/>
+        </pc:sldMkLst>
+      </pc:sldChg>
+      <pc:sldChg chg="del">
+        <pc:chgData name="Luciano Pereira Soares" userId="16c53e34-c952-423e-8700-c0525d23304f" providerId="ADAL" clId="{21D76053-4FC2-8046-8E35-708C3EA86774}" dt="2022-08-17T00:34:52.779" v="1" actId="2696"/>
+        <pc:sldMkLst>
+          <pc:docMk/>
+          <pc:sldMk cId="1798049986" sldId="317"/>
+        </pc:sldMkLst>
+      </pc:sldChg>
+      <pc:sldChg chg="del">
+        <pc:chgData name="Luciano Pereira Soares" userId="16c53e34-c952-423e-8700-c0525d23304f" providerId="ADAL" clId="{21D76053-4FC2-8046-8E35-708C3EA86774}" dt="2022-08-17T00:34:52.779" v="1" actId="2696"/>
+        <pc:sldMkLst>
+          <pc:docMk/>
+          <pc:sldMk cId="1347503315" sldId="318"/>
+        </pc:sldMkLst>
+      </pc:sldChg>
+      <pc:sldChg chg="del">
+        <pc:chgData name="Luciano Pereira Soares" userId="16c53e34-c952-423e-8700-c0525d23304f" providerId="ADAL" clId="{21D76053-4FC2-8046-8E35-708C3EA86774}" dt="2022-08-17T00:34:52.779" v="1" actId="2696"/>
+        <pc:sldMkLst>
+          <pc:docMk/>
+          <pc:sldMk cId="1648801762" sldId="319"/>
+        </pc:sldMkLst>
+      </pc:sldChg>
+      <pc:sldChg chg="del">
+        <pc:chgData name="Luciano Pereira Soares" userId="16c53e34-c952-423e-8700-c0525d23304f" providerId="ADAL" clId="{21D76053-4FC2-8046-8E35-708C3EA86774}" dt="2022-08-17T00:34:52.779" v="1" actId="2696"/>
+        <pc:sldMkLst>
+          <pc:docMk/>
+          <pc:sldMk cId="3080152500" sldId="320"/>
+        </pc:sldMkLst>
+      </pc:sldChg>
+      <pc:sldChg chg="del">
+        <pc:chgData name="Luciano Pereira Soares" userId="16c53e34-c952-423e-8700-c0525d23304f" providerId="ADAL" clId="{21D76053-4FC2-8046-8E35-708C3EA86774}" dt="2022-08-17T00:34:52.779" v="1" actId="2696"/>
+        <pc:sldMkLst>
+          <pc:docMk/>
+          <pc:sldMk cId="1861366562" sldId="321"/>
+        </pc:sldMkLst>
+      </pc:sldChg>
+      <pc:sldChg chg="del">
+        <pc:chgData name="Luciano Pereira Soares" userId="16c53e34-c952-423e-8700-c0525d23304f" providerId="ADAL" clId="{21D76053-4FC2-8046-8E35-708C3EA86774}" dt="2022-08-17T00:34:52.779" v="1" actId="2696"/>
+        <pc:sldMkLst>
+          <pc:docMk/>
+          <pc:sldMk cId="380794106" sldId="322"/>
+        </pc:sldMkLst>
+      </pc:sldChg>
+      <pc:sldChg chg="del">
+        <pc:chgData name="Luciano Pereira Soares" userId="16c53e34-c952-423e-8700-c0525d23304f" providerId="ADAL" clId="{21D76053-4FC2-8046-8E35-708C3EA86774}" dt="2022-08-17T00:34:52.779" v="1" actId="2696"/>
+        <pc:sldMkLst>
+          <pc:docMk/>
+          <pc:sldMk cId="4089055669" sldId="323"/>
+        </pc:sldMkLst>
+      </pc:sldChg>
+      <pc:sldChg chg="del">
+        <pc:chgData name="Luciano Pereira Soares" userId="16c53e34-c952-423e-8700-c0525d23304f" providerId="ADAL" clId="{21D76053-4FC2-8046-8E35-708C3EA86774}" dt="2022-08-17T00:34:52.779" v="1" actId="2696"/>
+        <pc:sldMkLst>
+          <pc:docMk/>
+          <pc:sldMk cId="1832844973" sldId="324"/>
+        </pc:sldMkLst>
+      </pc:sldChg>
+      <pc:sldChg chg="del">
+        <pc:chgData name="Luciano Pereira Soares" userId="16c53e34-c952-423e-8700-c0525d23304f" providerId="ADAL" clId="{21D76053-4FC2-8046-8E35-708C3EA86774}" dt="2022-08-17T00:34:52.779" v="1" actId="2696"/>
+        <pc:sldMkLst>
+          <pc:docMk/>
+          <pc:sldMk cId="157196928" sldId="325"/>
+        </pc:sldMkLst>
+      </pc:sldChg>
+      <pc:sldChg chg="del">
+        <pc:chgData name="Luciano Pereira Soares" userId="16c53e34-c952-423e-8700-c0525d23304f" providerId="ADAL" clId="{21D76053-4FC2-8046-8E35-708C3EA86774}" dt="2022-08-17T00:34:52.779" v="1" actId="2696"/>
+        <pc:sldMkLst>
+          <pc:docMk/>
+          <pc:sldMk cId="1637131583" sldId="326"/>
+        </pc:sldMkLst>
+      </pc:sldChg>
+      <pc:sldChg chg="del">
+        <pc:chgData name="Luciano Pereira Soares" userId="16c53e34-c952-423e-8700-c0525d23304f" providerId="ADAL" clId="{21D76053-4FC2-8046-8E35-708C3EA86774}" dt="2022-08-17T00:34:52.779" v="1" actId="2696"/>
+        <pc:sldMkLst>
+          <pc:docMk/>
+          <pc:sldMk cId="3380530401" sldId="327"/>
+        </pc:sldMkLst>
+      </pc:sldChg>
+      <pc:sldChg chg="del">
+        <pc:chgData name="Luciano Pereira Soares" userId="16c53e34-c952-423e-8700-c0525d23304f" providerId="ADAL" clId="{21D76053-4FC2-8046-8E35-708C3EA86774}" dt="2022-08-17T00:34:52.779" v="1" actId="2696"/>
+        <pc:sldMkLst>
+          <pc:docMk/>
+          <pc:sldMk cId="65727687" sldId="328"/>
+        </pc:sldMkLst>
+      </pc:sldChg>
+      <pc:sldChg chg="del">
+        <pc:chgData name="Luciano Pereira Soares" userId="16c53e34-c952-423e-8700-c0525d23304f" providerId="ADAL" clId="{21D76053-4FC2-8046-8E35-708C3EA86774}" dt="2022-08-17T00:34:52.779" v="1" actId="2696"/>
+        <pc:sldMkLst>
+          <pc:docMk/>
+          <pc:sldMk cId="339457961" sldId="329"/>
+        </pc:sldMkLst>
+      </pc:sldChg>
+      <pc:sldChg chg="del">
+        <pc:chgData name="Luciano Pereira Soares" userId="16c53e34-c952-423e-8700-c0525d23304f" providerId="ADAL" clId="{21D76053-4FC2-8046-8E35-708C3EA86774}" dt="2022-08-17T00:34:52.779" v="1" actId="2696"/>
+        <pc:sldMkLst>
+          <pc:docMk/>
+          <pc:sldMk cId="520571115" sldId="330"/>
+        </pc:sldMkLst>
+      </pc:sldChg>
+      <pc:sldChg chg="del">
+        <pc:chgData name="Luciano Pereira Soares" userId="16c53e34-c952-423e-8700-c0525d23304f" providerId="ADAL" clId="{21D76053-4FC2-8046-8E35-708C3EA86774}" dt="2022-08-17T00:34:52.779" v="1" actId="2696"/>
+        <pc:sldMkLst>
+          <pc:docMk/>
+          <pc:sldMk cId="2164295974" sldId="331"/>
+        </pc:sldMkLst>
+      </pc:sldChg>
+      <pc:sldChg chg="del">
+        <pc:chgData name="Luciano Pereira Soares" userId="16c53e34-c952-423e-8700-c0525d23304f" providerId="ADAL" clId="{21D76053-4FC2-8046-8E35-708C3EA86774}" dt="2022-08-17T00:34:52.779" v="1" actId="2696"/>
+        <pc:sldMkLst>
+          <pc:docMk/>
+          <pc:sldMk cId="771695050" sldId="332"/>
+        </pc:sldMkLst>
+      </pc:sldChg>
+      <pc:sldChg chg="del">
+        <pc:chgData name="Luciano Pereira Soares" userId="16c53e34-c952-423e-8700-c0525d23304f" providerId="ADAL" clId="{21D76053-4FC2-8046-8E35-708C3EA86774}" dt="2022-08-17T00:34:52.779" v="1" actId="2696"/>
+        <pc:sldMkLst>
+          <pc:docMk/>
+          <pc:sldMk cId="3585071933" sldId="333"/>
+        </pc:sldMkLst>
+      </pc:sldChg>
+      <pc:sldChg chg="del">
+        <pc:chgData name="Luciano Pereira Soares" userId="16c53e34-c952-423e-8700-c0525d23304f" providerId="ADAL" clId="{21D76053-4FC2-8046-8E35-708C3EA86774}" dt="2022-08-17T00:34:52.779" v="1" actId="2696"/>
+        <pc:sldMkLst>
+          <pc:docMk/>
+          <pc:sldMk cId="1416409760" sldId="334"/>
+        </pc:sldMkLst>
+      </pc:sldChg>
+      <pc:sldChg chg="del">
+        <pc:chgData name="Luciano Pereira Soares" userId="16c53e34-c952-423e-8700-c0525d23304f" providerId="ADAL" clId="{21D76053-4FC2-8046-8E35-708C3EA86774}" dt="2022-08-17T00:34:52.779" v="1" actId="2696"/>
+        <pc:sldMkLst>
+          <pc:docMk/>
+          <pc:sldMk cId="2257655667" sldId="335"/>
+        </pc:sldMkLst>
+      </pc:sldChg>
+      <pc:sldChg chg="del">
+        <pc:chgData name="Luciano Pereira Soares" userId="16c53e34-c952-423e-8700-c0525d23304f" providerId="ADAL" clId="{21D76053-4FC2-8046-8E35-708C3EA86774}" dt="2022-08-17T00:34:52.779" v="1" actId="2696"/>
+        <pc:sldMkLst>
+          <pc:docMk/>
+          <pc:sldMk cId="3672068477" sldId="336"/>
+        </pc:sldMkLst>
+      </pc:sldChg>
+      <pc:sldChg chg="del">
+        <pc:chgData name="Luciano Pereira Soares" userId="16c53e34-c952-423e-8700-c0525d23304f" providerId="ADAL" clId="{21D76053-4FC2-8046-8E35-708C3EA86774}" dt="2022-08-17T00:34:52.779" v="1" actId="2696"/>
+        <pc:sldMkLst>
+          <pc:docMk/>
+          <pc:sldMk cId="2246476944" sldId="337"/>
+        </pc:sldMkLst>
+      </pc:sldChg>
+      <pc:sldChg chg="del">
+        <pc:chgData name="Luciano Pereira Soares" userId="16c53e34-c952-423e-8700-c0525d23304f" providerId="ADAL" clId="{21D76053-4FC2-8046-8E35-708C3EA86774}" dt="2022-08-17T00:34:52.779" v="1" actId="2696"/>
+        <pc:sldMkLst>
+          <pc:docMk/>
+          <pc:sldMk cId="96632061" sldId="356"/>
+        </pc:sldMkLst>
+      </pc:sldChg>
+      <pc:sldChg chg="del">
+        <pc:chgData name="Luciano Pereira Soares" userId="16c53e34-c952-423e-8700-c0525d23304f" providerId="ADAL" clId="{21D76053-4FC2-8046-8E35-708C3EA86774}" dt="2022-08-17T00:34:52.779" v="1" actId="2696"/>
+        <pc:sldMkLst>
+          <pc:docMk/>
+          <pc:sldMk cId="810874321" sldId="357"/>
+        </pc:sldMkLst>
+      </pc:sldChg>
+      <pc:sldChg chg="del">
+        <pc:chgData name="Luciano Pereira Soares" userId="16c53e34-c952-423e-8700-c0525d23304f" providerId="ADAL" clId="{21D76053-4FC2-8046-8E35-708C3EA86774}" dt="2022-08-17T00:34:52.779" v="1" actId="2696"/>
+        <pc:sldMkLst>
+          <pc:docMk/>
+          <pc:sldMk cId="372318287" sldId="554"/>
+        </pc:sldMkLst>
+      </pc:sldChg>
+      <pc:sldChg chg="del">
+        <pc:chgData name="Luciano Pereira Soares" userId="16c53e34-c952-423e-8700-c0525d23304f" providerId="ADAL" clId="{21D76053-4FC2-8046-8E35-708C3EA86774}" dt="2022-08-17T00:34:52.779" v="1" actId="2696"/>
+        <pc:sldMkLst>
+          <pc:docMk/>
+          <pc:sldMk cId="3155441199" sldId="555"/>
+        </pc:sldMkLst>
+      </pc:sldChg>
+    </pc:docChg>
+  </pc:docChgLst>
+  <pc:docChgLst>
     <pc:chgData name="Luciano Pereira Soares" userId="16c53e34-c952-423e-8700-c0525d23304f" providerId="ADAL" clId="{89E673C7-BE49-F84B-A26A-0CD2AB5787D6}"/>
     <pc:docChg chg="undo custSel addSld delSld modSld delSection modSection">
       <pc:chgData name="Luciano Pereira Soares" userId="16c53e34-c952-423e-8700-c0525d23304f" providerId="ADAL" clId="{89E673C7-BE49-F84B-A26A-0CD2AB5787D6}" dt="2022-09-05T20:58:21.724" v="7" actId="17853"/>
@@ -1821,485 +2300,6 @@
           </pc:sldLayoutMkLst>
         </pc:sldLayoutChg>
       </pc:sldMasterChg>
-    </pc:docChg>
-  </pc:docChgLst>
-  <pc:docChgLst>
-    <pc:chgData name="Luciano Pereira Soares" userId="16c53e34-c952-423e-8700-c0525d23304f" providerId="ADAL" clId="{21D76053-4FC2-8046-8E35-708C3EA86774}"/>
-    <pc:docChg chg="custSel delSld modSld modSection">
-      <pc:chgData name="Luciano Pereira Soares" userId="16c53e34-c952-423e-8700-c0525d23304f" providerId="ADAL" clId="{21D76053-4FC2-8046-8E35-708C3EA86774}" dt="2022-08-17T00:34:52.779" v="1" actId="2696"/>
-      <pc:docMkLst>
-        <pc:docMk/>
-      </pc:docMkLst>
-      <pc:sldChg chg="del">
-        <pc:chgData name="Luciano Pereira Soares" userId="16c53e34-c952-423e-8700-c0525d23304f" providerId="ADAL" clId="{21D76053-4FC2-8046-8E35-708C3EA86774}" dt="2022-08-17T00:34:52.779" v="1" actId="2696"/>
-        <pc:sldMkLst>
-          <pc:docMk/>
-          <pc:sldMk cId="0" sldId="256"/>
-        </pc:sldMkLst>
-      </pc:sldChg>
-      <pc:sldChg chg="del">
-        <pc:chgData name="Luciano Pereira Soares" userId="16c53e34-c952-423e-8700-c0525d23304f" providerId="ADAL" clId="{21D76053-4FC2-8046-8E35-708C3EA86774}" dt="2022-08-17T00:34:52.779" v="1" actId="2696"/>
-        <pc:sldMkLst>
-          <pc:docMk/>
-          <pc:sldMk cId="0" sldId="276"/>
-        </pc:sldMkLst>
-      </pc:sldChg>
-      <pc:sldChg chg="del">
-        <pc:chgData name="Luciano Pereira Soares" userId="16c53e34-c952-423e-8700-c0525d23304f" providerId="ADAL" clId="{21D76053-4FC2-8046-8E35-708C3EA86774}" dt="2022-08-17T00:34:52.779" v="1" actId="2696"/>
-        <pc:sldMkLst>
-          <pc:docMk/>
-          <pc:sldMk cId="3492238989" sldId="277"/>
-        </pc:sldMkLst>
-      </pc:sldChg>
-      <pc:sldChg chg="del">
-        <pc:chgData name="Luciano Pereira Soares" userId="16c53e34-c952-423e-8700-c0525d23304f" providerId="ADAL" clId="{21D76053-4FC2-8046-8E35-708C3EA86774}" dt="2022-08-17T00:34:52.779" v="1" actId="2696"/>
-        <pc:sldMkLst>
-          <pc:docMk/>
-          <pc:sldMk cId="1551982945" sldId="278"/>
-        </pc:sldMkLst>
-      </pc:sldChg>
-      <pc:sldChg chg="del">
-        <pc:chgData name="Luciano Pereira Soares" userId="16c53e34-c952-423e-8700-c0525d23304f" providerId="ADAL" clId="{21D76053-4FC2-8046-8E35-708C3EA86774}" dt="2022-08-17T00:34:52.779" v="1" actId="2696"/>
-        <pc:sldMkLst>
-          <pc:docMk/>
-          <pc:sldMk cId="1150689142" sldId="279"/>
-        </pc:sldMkLst>
-      </pc:sldChg>
-      <pc:sldChg chg="del">
-        <pc:chgData name="Luciano Pereira Soares" userId="16c53e34-c952-423e-8700-c0525d23304f" providerId="ADAL" clId="{21D76053-4FC2-8046-8E35-708C3EA86774}" dt="2022-08-17T00:34:52.779" v="1" actId="2696"/>
-        <pc:sldMkLst>
-          <pc:docMk/>
-          <pc:sldMk cId="956012993" sldId="280"/>
-        </pc:sldMkLst>
-      </pc:sldChg>
-      <pc:sldChg chg="del">
-        <pc:chgData name="Luciano Pereira Soares" userId="16c53e34-c952-423e-8700-c0525d23304f" providerId="ADAL" clId="{21D76053-4FC2-8046-8E35-708C3EA86774}" dt="2022-08-17T00:34:52.779" v="1" actId="2696"/>
-        <pc:sldMkLst>
-          <pc:docMk/>
-          <pc:sldMk cId="417571930" sldId="281"/>
-        </pc:sldMkLst>
-      </pc:sldChg>
-      <pc:sldChg chg="del">
-        <pc:chgData name="Luciano Pereira Soares" userId="16c53e34-c952-423e-8700-c0525d23304f" providerId="ADAL" clId="{21D76053-4FC2-8046-8E35-708C3EA86774}" dt="2022-08-17T00:34:52.779" v="1" actId="2696"/>
-        <pc:sldMkLst>
-          <pc:docMk/>
-          <pc:sldMk cId="1091742777" sldId="282"/>
-        </pc:sldMkLst>
-      </pc:sldChg>
-      <pc:sldChg chg="del">
-        <pc:chgData name="Luciano Pereira Soares" userId="16c53e34-c952-423e-8700-c0525d23304f" providerId="ADAL" clId="{21D76053-4FC2-8046-8E35-708C3EA86774}" dt="2022-08-17T00:34:52.779" v="1" actId="2696"/>
-        <pc:sldMkLst>
-          <pc:docMk/>
-          <pc:sldMk cId="1554898846" sldId="283"/>
-        </pc:sldMkLst>
-      </pc:sldChg>
-      <pc:sldChg chg="del">
-        <pc:chgData name="Luciano Pereira Soares" userId="16c53e34-c952-423e-8700-c0525d23304f" providerId="ADAL" clId="{21D76053-4FC2-8046-8E35-708C3EA86774}" dt="2022-08-17T00:34:52.779" v="1" actId="2696"/>
-        <pc:sldMkLst>
-          <pc:docMk/>
-          <pc:sldMk cId="1623398612" sldId="284"/>
-        </pc:sldMkLst>
-      </pc:sldChg>
-      <pc:sldChg chg="delSp del mod">
-        <pc:chgData name="Luciano Pereira Soares" userId="16c53e34-c952-423e-8700-c0525d23304f" providerId="ADAL" clId="{21D76053-4FC2-8046-8E35-708C3EA86774}" dt="2022-08-17T00:34:52.779" v="1" actId="2696"/>
-        <pc:sldMkLst>
-          <pc:docMk/>
-          <pc:sldMk cId="3610650140" sldId="285"/>
-        </pc:sldMkLst>
-        <pc:spChg chg="del">
-          <ac:chgData name="Luciano Pereira Soares" userId="16c53e34-c952-423e-8700-c0525d23304f" providerId="ADAL" clId="{21D76053-4FC2-8046-8E35-708C3EA86774}" dt="2022-08-15T21:48:35.069" v="0" actId="478"/>
-          <ac:spMkLst>
-            <pc:docMk/>
-            <pc:sldMk cId="3610650140" sldId="285"/>
-            <ac:spMk id="3" creationId="{92017288-34E3-384C-A876-1B3DB9BB03C6}"/>
-          </ac:spMkLst>
-        </pc:spChg>
-      </pc:sldChg>
-      <pc:sldChg chg="del">
-        <pc:chgData name="Luciano Pereira Soares" userId="16c53e34-c952-423e-8700-c0525d23304f" providerId="ADAL" clId="{21D76053-4FC2-8046-8E35-708C3EA86774}" dt="2022-08-17T00:34:52.779" v="1" actId="2696"/>
-        <pc:sldMkLst>
-          <pc:docMk/>
-          <pc:sldMk cId="1037304665" sldId="286"/>
-        </pc:sldMkLst>
-      </pc:sldChg>
-      <pc:sldChg chg="del">
-        <pc:chgData name="Luciano Pereira Soares" userId="16c53e34-c952-423e-8700-c0525d23304f" providerId="ADAL" clId="{21D76053-4FC2-8046-8E35-708C3EA86774}" dt="2022-08-17T00:34:52.779" v="1" actId="2696"/>
-        <pc:sldMkLst>
-          <pc:docMk/>
-          <pc:sldMk cId="1290008027" sldId="287"/>
-        </pc:sldMkLst>
-      </pc:sldChg>
-      <pc:sldChg chg="del">
-        <pc:chgData name="Luciano Pereira Soares" userId="16c53e34-c952-423e-8700-c0525d23304f" providerId="ADAL" clId="{21D76053-4FC2-8046-8E35-708C3EA86774}" dt="2022-08-17T00:34:52.779" v="1" actId="2696"/>
-        <pc:sldMkLst>
-          <pc:docMk/>
-          <pc:sldMk cId="3583880700" sldId="288"/>
-        </pc:sldMkLst>
-      </pc:sldChg>
-      <pc:sldChg chg="del">
-        <pc:chgData name="Luciano Pereira Soares" userId="16c53e34-c952-423e-8700-c0525d23304f" providerId="ADAL" clId="{21D76053-4FC2-8046-8E35-708C3EA86774}" dt="2022-08-17T00:34:52.779" v="1" actId="2696"/>
-        <pc:sldMkLst>
-          <pc:docMk/>
-          <pc:sldMk cId="2649827963" sldId="289"/>
-        </pc:sldMkLst>
-      </pc:sldChg>
-      <pc:sldChg chg="del">
-        <pc:chgData name="Luciano Pereira Soares" userId="16c53e34-c952-423e-8700-c0525d23304f" providerId="ADAL" clId="{21D76053-4FC2-8046-8E35-708C3EA86774}" dt="2022-08-17T00:34:52.779" v="1" actId="2696"/>
-        <pc:sldMkLst>
-          <pc:docMk/>
-          <pc:sldMk cId="141332155" sldId="290"/>
-        </pc:sldMkLst>
-      </pc:sldChg>
-      <pc:sldChg chg="del">
-        <pc:chgData name="Luciano Pereira Soares" userId="16c53e34-c952-423e-8700-c0525d23304f" providerId="ADAL" clId="{21D76053-4FC2-8046-8E35-708C3EA86774}" dt="2022-08-17T00:34:52.779" v="1" actId="2696"/>
-        <pc:sldMkLst>
-          <pc:docMk/>
-          <pc:sldMk cId="180960086" sldId="291"/>
-        </pc:sldMkLst>
-      </pc:sldChg>
-      <pc:sldChg chg="del">
-        <pc:chgData name="Luciano Pereira Soares" userId="16c53e34-c952-423e-8700-c0525d23304f" providerId="ADAL" clId="{21D76053-4FC2-8046-8E35-708C3EA86774}" dt="2022-08-17T00:34:52.779" v="1" actId="2696"/>
-        <pc:sldMkLst>
-          <pc:docMk/>
-          <pc:sldMk cId="1134358883" sldId="292"/>
-        </pc:sldMkLst>
-      </pc:sldChg>
-      <pc:sldChg chg="del">
-        <pc:chgData name="Luciano Pereira Soares" userId="16c53e34-c952-423e-8700-c0525d23304f" providerId="ADAL" clId="{21D76053-4FC2-8046-8E35-708C3EA86774}" dt="2022-08-17T00:34:52.779" v="1" actId="2696"/>
-        <pc:sldMkLst>
-          <pc:docMk/>
-          <pc:sldMk cId="4118138588" sldId="293"/>
-        </pc:sldMkLst>
-      </pc:sldChg>
-      <pc:sldChg chg="del">
-        <pc:chgData name="Luciano Pereira Soares" userId="16c53e34-c952-423e-8700-c0525d23304f" providerId="ADAL" clId="{21D76053-4FC2-8046-8E35-708C3EA86774}" dt="2022-08-17T00:34:52.779" v="1" actId="2696"/>
-        <pc:sldMkLst>
-          <pc:docMk/>
-          <pc:sldMk cId="388771689" sldId="294"/>
-        </pc:sldMkLst>
-      </pc:sldChg>
-      <pc:sldChg chg="del">
-        <pc:chgData name="Luciano Pereira Soares" userId="16c53e34-c952-423e-8700-c0525d23304f" providerId="ADAL" clId="{21D76053-4FC2-8046-8E35-708C3EA86774}" dt="2022-08-17T00:34:52.779" v="1" actId="2696"/>
-        <pc:sldMkLst>
-          <pc:docMk/>
-          <pc:sldMk cId="3626902687" sldId="295"/>
-        </pc:sldMkLst>
-      </pc:sldChg>
-      <pc:sldChg chg="del">
-        <pc:chgData name="Luciano Pereira Soares" userId="16c53e34-c952-423e-8700-c0525d23304f" providerId="ADAL" clId="{21D76053-4FC2-8046-8E35-708C3EA86774}" dt="2022-08-17T00:34:52.779" v="1" actId="2696"/>
-        <pc:sldMkLst>
-          <pc:docMk/>
-          <pc:sldMk cId="2084337191" sldId="296"/>
-        </pc:sldMkLst>
-      </pc:sldChg>
-      <pc:sldChg chg="del">
-        <pc:chgData name="Luciano Pereira Soares" userId="16c53e34-c952-423e-8700-c0525d23304f" providerId="ADAL" clId="{21D76053-4FC2-8046-8E35-708C3EA86774}" dt="2022-08-17T00:34:52.779" v="1" actId="2696"/>
-        <pc:sldMkLst>
-          <pc:docMk/>
-          <pc:sldMk cId="1073595821" sldId="297"/>
-        </pc:sldMkLst>
-      </pc:sldChg>
-      <pc:sldChg chg="del">
-        <pc:chgData name="Luciano Pereira Soares" userId="16c53e34-c952-423e-8700-c0525d23304f" providerId="ADAL" clId="{21D76053-4FC2-8046-8E35-708C3EA86774}" dt="2022-08-17T00:34:52.779" v="1" actId="2696"/>
-        <pc:sldMkLst>
-          <pc:docMk/>
-          <pc:sldMk cId="2045755376" sldId="298"/>
-        </pc:sldMkLst>
-      </pc:sldChg>
-      <pc:sldChg chg="del">
-        <pc:chgData name="Luciano Pereira Soares" userId="16c53e34-c952-423e-8700-c0525d23304f" providerId="ADAL" clId="{21D76053-4FC2-8046-8E35-708C3EA86774}" dt="2022-08-17T00:34:52.779" v="1" actId="2696"/>
-        <pc:sldMkLst>
-          <pc:docMk/>
-          <pc:sldMk cId="1374221417" sldId="299"/>
-        </pc:sldMkLst>
-      </pc:sldChg>
-      <pc:sldChg chg="del">
-        <pc:chgData name="Luciano Pereira Soares" userId="16c53e34-c952-423e-8700-c0525d23304f" providerId="ADAL" clId="{21D76053-4FC2-8046-8E35-708C3EA86774}" dt="2022-08-17T00:34:52.779" v="1" actId="2696"/>
-        <pc:sldMkLst>
-          <pc:docMk/>
-          <pc:sldMk cId="3034044073" sldId="300"/>
-        </pc:sldMkLst>
-      </pc:sldChg>
-      <pc:sldChg chg="del">
-        <pc:chgData name="Luciano Pereira Soares" userId="16c53e34-c952-423e-8700-c0525d23304f" providerId="ADAL" clId="{21D76053-4FC2-8046-8E35-708C3EA86774}" dt="2022-08-17T00:34:52.779" v="1" actId="2696"/>
-        <pc:sldMkLst>
-          <pc:docMk/>
-          <pc:sldMk cId="3269634474" sldId="301"/>
-        </pc:sldMkLst>
-      </pc:sldChg>
-      <pc:sldChg chg="del">
-        <pc:chgData name="Luciano Pereira Soares" userId="16c53e34-c952-423e-8700-c0525d23304f" providerId="ADAL" clId="{21D76053-4FC2-8046-8E35-708C3EA86774}" dt="2022-08-17T00:34:52.779" v="1" actId="2696"/>
-        <pc:sldMkLst>
-          <pc:docMk/>
-          <pc:sldMk cId="1573913687" sldId="302"/>
-        </pc:sldMkLst>
-      </pc:sldChg>
-      <pc:sldChg chg="del">
-        <pc:chgData name="Luciano Pereira Soares" userId="16c53e34-c952-423e-8700-c0525d23304f" providerId="ADAL" clId="{21D76053-4FC2-8046-8E35-708C3EA86774}" dt="2022-08-17T00:34:52.779" v="1" actId="2696"/>
-        <pc:sldMkLst>
-          <pc:docMk/>
-          <pc:sldMk cId="2727212897" sldId="303"/>
-        </pc:sldMkLst>
-      </pc:sldChg>
-      <pc:sldChg chg="del">
-        <pc:chgData name="Luciano Pereira Soares" userId="16c53e34-c952-423e-8700-c0525d23304f" providerId="ADAL" clId="{21D76053-4FC2-8046-8E35-708C3EA86774}" dt="2022-08-17T00:34:52.779" v="1" actId="2696"/>
-        <pc:sldMkLst>
-          <pc:docMk/>
-          <pc:sldMk cId="3251471121" sldId="304"/>
-        </pc:sldMkLst>
-      </pc:sldChg>
-      <pc:sldChg chg="del">
-        <pc:chgData name="Luciano Pereira Soares" userId="16c53e34-c952-423e-8700-c0525d23304f" providerId="ADAL" clId="{21D76053-4FC2-8046-8E35-708C3EA86774}" dt="2022-08-17T00:34:52.779" v="1" actId="2696"/>
-        <pc:sldMkLst>
-          <pc:docMk/>
-          <pc:sldMk cId="453157801" sldId="305"/>
-        </pc:sldMkLst>
-      </pc:sldChg>
-      <pc:sldChg chg="del">
-        <pc:chgData name="Luciano Pereira Soares" userId="16c53e34-c952-423e-8700-c0525d23304f" providerId="ADAL" clId="{21D76053-4FC2-8046-8E35-708C3EA86774}" dt="2022-08-17T00:34:52.779" v="1" actId="2696"/>
-        <pc:sldMkLst>
-          <pc:docMk/>
-          <pc:sldMk cId="1951566873" sldId="306"/>
-        </pc:sldMkLst>
-      </pc:sldChg>
-      <pc:sldChg chg="del">
-        <pc:chgData name="Luciano Pereira Soares" userId="16c53e34-c952-423e-8700-c0525d23304f" providerId="ADAL" clId="{21D76053-4FC2-8046-8E35-708C3EA86774}" dt="2022-08-17T00:34:52.779" v="1" actId="2696"/>
-        <pc:sldMkLst>
-          <pc:docMk/>
-          <pc:sldMk cId="3878185438" sldId="307"/>
-        </pc:sldMkLst>
-      </pc:sldChg>
-      <pc:sldChg chg="del">
-        <pc:chgData name="Luciano Pereira Soares" userId="16c53e34-c952-423e-8700-c0525d23304f" providerId="ADAL" clId="{21D76053-4FC2-8046-8E35-708C3EA86774}" dt="2022-08-17T00:34:52.779" v="1" actId="2696"/>
-        <pc:sldMkLst>
-          <pc:docMk/>
-          <pc:sldMk cId="3833048560" sldId="308"/>
-        </pc:sldMkLst>
-      </pc:sldChg>
-      <pc:sldChg chg="del">
-        <pc:chgData name="Luciano Pereira Soares" userId="16c53e34-c952-423e-8700-c0525d23304f" providerId="ADAL" clId="{21D76053-4FC2-8046-8E35-708C3EA86774}" dt="2022-08-17T00:34:52.779" v="1" actId="2696"/>
-        <pc:sldMkLst>
-          <pc:docMk/>
-          <pc:sldMk cId="4192908236" sldId="309"/>
-        </pc:sldMkLst>
-      </pc:sldChg>
-      <pc:sldChg chg="del">
-        <pc:chgData name="Luciano Pereira Soares" userId="16c53e34-c952-423e-8700-c0525d23304f" providerId="ADAL" clId="{21D76053-4FC2-8046-8E35-708C3EA86774}" dt="2022-08-17T00:34:52.779" v="1" actId="2696"/>
-        <pc:sldMkLst>
-          <pc:docMk/>
-          <pc:sldMk cId="2450581019" sldId="311"/>
-        </pc:sldMkLst>
-      </pc:sldChg>
-      <pc:sldChg chg="del">
-        <pc:chgData name="Luciano Pereira Soares" userId="16c53e34-c952-423e-8700-c0525d23304f" providerId="ADAL" clId="{21D76053-4FC2-8046-8E35-708C3EA86774}" dt="2022-08-17T00:34:52.779" v="1" actId="2696"/>
-        <pc:sldMkLst>
-          <pc:docMk/>
-          <pc:sldMk cId="2608316626" sldId="312"/>
-        </pc:sldMkLst>
-      </pc:sldChg>
-      <pc:sldChg chg="del">
-        <pc:chgData name="Luciano Pereira Soares" userId="16c53e34-c952-423e-8700-c0525d23304f" providerId="ADAL" clId="{21D76053-4FC2-8046-8E35-708C3EA86774}" dt="2022-08-17T00:34:52.779" v="1" actId="2696"/>
-        <pc:sldMkLst>
-          <pc:docMk/>
-          <pc:sldMk cId="1934957580" sldId="313"/>
-        </pc:sldMkLst>
-      </pc:sldChg>
-      <pc:sldChg chg="del">
-        <pc:chgData name="Luciano Pereira Soares" userId="16c53e34-c952-423e-8700-c0525d23304f" providerId="ADAL" clId="{21D76053-4FC2-8046-8E35-708C3EA86774}" dt="2022-08-17T00:34:52.779" v="1" actId="2696"/>
-        <pc:sldMkLst>
-          <pc:docMk/>
-          <pc:sldMk cId="2807832657" sldId="314"/>
-        </pc:sldMkLst>
-      </pc:sldChg>
-      <pc:sldChg chg="del">
-        <pc:chgData name="Luciano Pereira Soares" userId="16c53e34-c952-423e-8700-c0525d23304f" providerId="ADAL" clId="{21D76053-4FC2-8046-8E35-708C3EA86774}" dt="2022-08-17T00:34:52.779" v="1" actId="2696"/>
-        <pc:sldMkLst>
-          <pc:docMk/>
-          <pc:sldMk cId="1028870872" sldId="315"/>
-        </pc:sldMkLst>
-      </pc:sldChg>
-      <pc:sldChg chg="del">
-        <pc:chgData name="Luciano Pereira Soares" userId="16c53e34-c952-423e-8700-c0525d23304f" providerId="ADAL" clId="{21D76053-4FC2-8046-8E35-708C3EA86774}" dt="2022-08-17T00:34:52.779" v="1" actId="2696"/>
-        <pc:sldMkLst>
-          <pc:docMk/>
-          <pc:sldMk cId="1189783527" sldId="316"/>
-        </pc:sldMkLst>
-      </pc:sldChg>
-      <pc:sldChg chg="del">
-        <pc:chgData name="Luciano Pereira Soares" userId="16c53e34-c952-423e-8700-c0525d23304f" providerId="ADAL" clId="{21D76053-4FC2-8046-8E35-708C3EA86774}" dt="2022-08-17T00:34:52.779" v="1" actId="2696"/>
-        <pc:sldMkLst>
-          <pc:docMk/>
-          <pc:sldMk cId="1798049986" sldId="317"/>
-        </pc:sldMkLst>
-      </pc:sldChg>
-      <pc:sldChg chg="del">
-        <pc:chgData name="Luciano Pereira Soares" userId="16c53e34-c952-423e-8700-c0525d23304f" providerId="ADAL" clId="{21D76053-4FC2-8046-8E35-708C3EA86774}" dt="2022-08-17T00:34:52.779" v="1" actId="2696"/>
-        <pc:sldMkLst>
-          <pc:docMk/>
-          <pc:sldMk cId="1347503315" sldId="318"/>
-        </pc:sldMkLst>
-      </pc:sldChg>
-      <pc:sldChg chg="del">
-        <pc:chgData name="Luciano Pereira Soares" userId="16c53e34-c952-423e-8700-c0525d23304f" providerId="ADAL" clId="{21D76053-4FC2-8046-8E35-708C3EA86774}" dt="2022-08-17T00:34:52.779" v="1" actId="2696"/>
-        <pc:sldMkLst>
-          <pc:docMk/>
-          <pc:sldMk cId="1648801762" sldId="319"/>
-        </pc:sldMkLst>
-      </pc:sldChg>
-      <pc:sldChg chg="del">
-        <pc:chgData name="Luciano Pereira Soares" userId="16c53e34-c952-423e-8700-c0525d23304f" providerId="ADAL" clId="{21D76053-4FC2-8046-8E35-708C3EA86774}" dt="2022-08-17T00:34:52.779" v="1" actId="2696"/>
-        <pc:sldMkLst>
-          <pc:docMk/>
-          <pc:sldMk cId="3080152500" sldId="320"/>
-        </pc:sldMkLst>
-      </pc:sldChg>
-      <pc:sldChg chg="del">
-        <pc:chgData name="Luciano Pereira Soares" userId="16c53e34-c952-423e-8700-c0525d23304f" providerId="ADAL" clId="{21D76053-4FC2-8046-8E35-708C3EA86774}" dt="2022-08-17T00:34:52.779" v="1" actId="2696"/>
-        <pc:sldMkLst>
-          <pc:docMk/>
-          <pc:sldMk cId="1861366562" sldId="321"/>
-        </pc:sldMkLst>
-      </pc:sldChg>
-      <pc:sldChg chg="del">
-        <pc:chgData name="Luciano Pereira Soares" userId="16c53e34-c952-423e-8700-c0525d23304f" providerId="ADAL" clId="{21D76053-4FC2-8046-8E35-708C3EA86774}" dt="2022-08-17T00:34:52.779" v="1" actId="2696"/>
-        <pc:sldMkLst>
-          <pc:docMk/>
-          <pc:sldMk cId="380794106" sldId="322"/>
-        </pc:sldMkLst>
-      </pc:sldChg>
-      <pc:sldChg chg="del">
-        <pc:chgData name="Luciano Pereira Soares" userId="16c53e34-c952-423e-8700-c0525d23304f" providerId="ADAL" clId="{21D76053-4FC2-8046-8E35-708C3EA86774}" dt="2022-08-17T00:34:52.779" v="1" actId="2696"/>
-        <pc:sldMkLst>
-          <pc:docMk/>
-          <pc:sldMk cId="4089055669" sldId="323"/>
-        </pc:sldMkLst>
-      </pc:sldChg>
-      <pc:sldChg chg="del">
-        <pc:chgData name="Luciano Pereira Soares" userId="16c53e34-c952-423e-8700-c0525d23304f" providerId="ADAL" clId="{21D76053-4FC2-8046-8E35-708C3EA86774}" dt="2022-08-17T00:34:52.779" v="1" actId="2696"/>
-        <pc:sldMkLst>
-          <pc:docMk/>
-          <pc:sldMk cId="1832844973" sldId="324"/>
-        </pc:sldMkLst>
-      </pc:sldChg>
-      <pc:sldChg chg="del">
-        <pc:chgData name="Luciano Pereira Soares" userId="16c53e34-c952-423e-8700-c0525d23304f" providerId="ADAL" clId="{21D76053-4FC2-8046-8E35-708C3EA86774}" dt="2022-08-17T00:34:52.779" v="1" actId="2696"/>
-        <pc:sldMkLst>
-          <pc:docMk/>
-          <pc:sldMk cId="157196928" sldId="325"/>
-        </pc:sldMkLst>
-      </pc:sldChg>
-      <pc:sldChg chg="del">
-        <pc:chgData name="Luciano Pereira Soares" userId="16c53e34-c952-423e-8700-c0525d23304f" providerId="ADAL" clId="{21D76053-4FC2-8046-8E35-708C3EA86774}" dt="2022-08-17T00:34:52.779" v="1" actId="2696"/>
-        <pc:sldMkLst>
-          <pc:docMk/>
-          <pc:sldMk cId="1637131583" sldId="326"/>
-        </pc:sldMkLst>
-      </pc:sldChg>
-      <pc:sldChg chg="del">
-        <pc:chgData name="Luciano Pereira Soares" userId="16c53e34-c952-423e-8700-c0525d23304f" providerId="ADAL" clId="{21D76053-4FC2-8046-8E35-708C3EA86774}" dt="2022-08-17T00:34:52.779" v="1" actId="2696"/>
-        <pc:sldMkLst>
-          <pc:docMk/>
-          <pc:sldMk cId="3380530401" sldId="327"/>
-        </pc:sldMkLst>
-      </pc:sldChg>
-      <pc:sldChg chg="del">
-        <pc:chgData name="Luciano Pereira Soares" userId="16c53e34-c952-423e-8700-c0525d23304f" providerId="ADAL" clId="{21D76053-4FC2-8046-8E35-708C3EA86774}" dt="2022-08-17T00:34:52.779" v="1" actId="2696"/>
-        <pc:sldMkLst>
-          <pc:docMk/>
-          <pc:sldMk cId="65727687" sldId="328"/>
-        </pc:sldMkLst>
-      </pc:sldChg>
-      <pc:sldChg chg="del">
-        <pc:chgData name="Luciano Pereira Soares" userId="16c53e34-c952-423e-8700-c0525d23304f" providerId="ADAL" clId="{21D76053-4FC2-8046-8E35-708C3EA86774}" dt="2022-08-17T00:34:52.779" v="1" actId="2696"/>
-        <pc:sldMkLst>
-          <pc:docMk/>
-          <pc:sldMk cId="339457961" sldId="329"/>
-        </pc:sldMkLst>
-      </pc:sldChg>
-      <pc:sldChg chg="del">
-        <pc:chgData name="Luciano Pereira Soares" userId="16c53e34-c952-423e-8700-c0525d23304f" providerId="ADAL" clId="{21D76053-4FC2-8046-8E35-708C3EA86774}" dt="2022-08-17T00:34:52.779" v="1" actId="2696"/>
-        <pc:sldMkLst>
-          <pc:docMk/>
-          <pc:sldMk cId="520571115" sldId="330"/>
-        </pc:sldMkLst>
-      </pc:sldChg>
-      <pc:sldChg chg="del">
-        <pc:chgData name="Luciano Pereira Soares" userId="16c53e34-c952-423e-8700-c0525d23304f" providerId="ADAL" clId="{21D76053-4FC2-8046-8E35-708C3EA86774}" dt="2022-08-17T00:34:52.779" v="1" actId="2696"/>
-        <pc:sldMkLst>
-          <pc:docMk/>
-          <pc:sldMk cId="2164295974" sldId="331"/>
-        </pc:sldMkLst>
-      </pc:sldChg>
-      <pc:sldChg chg="del">
-        <pc:chgData name="Luciano Pereira Soares" userId="16c53e34-c952-423e-8700-c0525d23304f" providerId="ADAL" clId="{21D76053-4FC2-8046-8E35-708C3EA86774}" dt="2022-08-17T00:34:52.779" v="1" actId="2696"/>
-        <pc:sldMkLst>
-          <pc:docMk/>
-          <pc:sldMk cId="771695050" sldId="332"/>
-        </pc:sldMkLst>
-      </pc:sldChg>
-      <pc:sldChg chg="del">
-        <pc:chgData name="Luciano Pereira Soares" userId="16c53e34-c952-423e-8700-c0525d23304f" providerId="ADAL" clId="{21D76053-4FC2-8046-8E35-708C3EA86774}" dt="2022-08-17T00:34:52.779" v="1" actId="2696"/>
-        <pc:sldMkLst>
-          <pc:docMk/>
-          <pc:sldMk cId="3585071933" sldId="333"/>
-        </pc:sldMkLst>
-      </pc:sldChg>
-      <pc:sldChg chg="del">
-        <pc:chgData name="Luciano Pereira Soares" userId="16c53e34-c952-423e-8700-c0525d23304f" providerId="ADAL" clId="{21D76053-4FC2-8046-8E35-708C3EA86774}" dt="2022-08-17T00:34:52.779" v="1" actId="2696"/>
-        <pc:sldMkLst>
-          <pc:docMk/>
-          <pc:sldMk cId="1416409760" sldId="334"/>
-        </pc:sldMkLst>
-      </pc:sldChg>
-      <pc:sldChg chg="del">
-        <pc:chgData name="Luciano Pereira Soares" userId="16c53e34-c952-423e-8700-c0525d23304f" providerId="ADAL" clId="{21D76053-4FC2-8046-8E35-708C3EA86774}" dt="2022-08-17T00:34:52.779" v="1" actId="2696"/>
-        <pc:sldMkLst>
-          <pc:docMk/>
-          <pc:sldMk cId="2257655667" sldId="335"/>
-        </pc:sldMkLst>
-      </pc:sldChg>
-      <pc:sldChg chg="del">
-        <pc:chgData name="Luciano Pereira Soares" userId="16c53e34-c952-423e-8700-c0525d23304f" providerId="ADAL" clId="{21D76053-4FC2-8046-8E35-708C3EA86774}" dt="2022-08-17T00:34:52.779" v="1" actId="2696"/>
-        <pc:sldMkLst>
-          <pc:docMk/>
-          <pc:sldMk cId="3672068477" sldId="336"/>
-        </pc:sldMkLst>
-      </pc:sldChg>
-      <pc:sldChg chg="del">
-        <pc:chgData name="Luciano Pereira Soares" userId="16c53e34-c952-423e-8700-c0525d23304f" providerId="ADAL" clId="{21D76053-4FC2-8046-8E35-708C3EA86774}" dt="2022-08-17T00:34:52.779" v="1" actId="2696"/>
-        <pc:sldMkLst>
-          <pc:docMk/>
-          <pc:sldMk cId="2246476944" sldId="337"/>
-        </pc:sldMkLst>
-      </pc:sldChg>
-      <pc:sldChg chg="del">
-        <pc:chgData name="Luciano Pereira Soares" userId="16c53e34-c952-423e-8700-c0525d23304f" providerId="ADAL" clId="{21D76053-4FC2-8046-8E35-708C3EA86774}" dt="2022-08-17T00:34:52.779" v="1" actId="2696"/>
-        <pc:sldMkLst>
-          <pc:docMk/>
-          <pc:sldMk cId="96632061" sldId="356"/>
-        </pc:sldMkLst>
-      </pc:sldChg>
-      <pc:sldChg chg="del">
-        <pc:chgData name="Luciano Pereira Soares" userId="16c53e34-c952-423e-8700-c0525d23304f" providerId="ADAL" clId="{21D76053-4FC2-8046-8E35-708C3EA86774}" dt="2022-08-17T00:34:52.779" v="1" actId="2696"/>
-        <pc:sldMkLst>
-          <pc:docMk/>
-          <pc:sldMk cId="810874321" sldId="357"/>
-        </pc:sldMkLst>
-      </pc:sldChg>
-      <pc:sldChg chg="del">
-        <pc:chgData name="Luciano Pereira Soares" userId="16c53e34-c952-423e-8700-c0525d23304f" providerId="ADAL" clId="{21D76053-4FC2-8046-8E35-708C3EA86774}" dt="2022-08-17T00:34:52.779" v="1" actId="2696"/>
-        <pc:sldMkLst>
-          <pc:docMk/>
-          <pc:sldMk cId="372318287" sldId="554"/>
-        </pc:sldMkLst>
-      </pc:sldChg>
-      <pc:sldChg chg="del">
-        <pc:chgData name="Luciano Pereira Soares" userId="16c53e34-c952-423e-8700-c0525d23304f" providerId="ADAL" clId="{21D76053-4FC2-8046-8E35-708C3EA86774}" dt="2022-08-17T00:34:52.779" v="1" actId="2696"/>
-        <pc:sldMkLst>
-          <pc:docMk/>
-          <pc:sldMk cId="3155441199" sldId="555"/>
-        </pc:sldMkLst>
-      </pc:sldChg>
     </pc:docChg>
   </pc:docChgLst>
 </pc:chgInfo>
@@ -2856,6 +2856,67 @@
 </file>
 
 <file path=ppt/notesSlides/notesSlide2.xml><?xml version="1.0" encoding="utf-8"?>
+<p:notes xmlns:a="http://schemas.openxmlformats.org/drawingml/2006/main" xmlns:r="http://schemas.openxmlformats.org/officeDocument/2006/relationships" xmlns:p="http://schemas.openxmlformats.org/presentationml/2006/main">
+  <p:cSld>
+    <p:spTree>
+      <p:nvGrpSpPr>
+        <p:cNvPr id="1" name=""/>
+        <p:cNvGrpSpPr/>
+        <p:nvPr/>
+      </p:nvGrpSpPr>
+      <p:grpSpPr>
+        <a:xfrm>
+          <a:off x="0" y="0"/>
+          <a:ext cx="0" cy="0"/>
+          <a:chOff x="0" y="0"/>
+          <a:chExt cx="0" cy="0"/>
+        </a:xfrm>
+      </p:grpSpPr>
+      <p:sp>
+        <p:nvSpPr>
+          <p:cNvPr id="2" name="Slide Image Placeholder 1"/>
+          <p:cNvSpPr>
+            <a:spLocks noGrp="1" noRot="1" noChangeAspect="1"/>
+          </p:cNvSpPr>
+          <p:nvPr>
+            <p:ph type="sldImg"/>
+          </p:nvPr>
+        </p:nvSpPr>
+        <p:spPr/>
+      </p:sp>
+      <p:sp>
+        <p:nvSpPr>
+          <p:cNvPr id="3" name="Notes Placeholder 2"/>
+          <p:cNvSpPr>
+            <a:spLocks noGrp="1"/>
+          </p:cNvSpPr>
+          <p:nvPr>
+            <p:ph type="body" idx="1"/>
+          </p:nvPr>
+        </p:nvSpPr>
+        <p:spPr/>
+        <p:txBody>
+          <a:bodyPr/>
+          <a:lstStyle/>
+          <a:p>
+            <a:endParaRPr lang="en-BR" dirty="0"/>
+          </a:p>
+        </p:txBody>
+      </p:sp>
+    </p:spTree>
+    <p:extLst>
+      <p:ext uri="{BB962C8B-B14F-4D97-AF65-F5344CB8AC3E}">
+        <p14:creationId xmlns:p14="http://schemas.microsoft.com/office/powerpoint/2010/main" val="4236771021"/>
+      </p:ext>
+    </p:extLst>
+  </p:cSld>
+  <p:clrMapOvr>
+    <a:masterClrMapping/>
+  </p:clrMapOvr>
+</p:notes>
+</file>
+
+<file path=ppt/notesSlides/notesSlide3.xml><?xml version="1.0" encoding="utf-8"?>
 <p:notes xmlns:a="http://schemas.openxmlformats.org/drawingml/2006/main" xmlns:r="http://schemas.openxmlformats.org/officeDocument/2006/relationships" xmlns:p="http://schemas.openxmlformats.org/presentationml/2006/main" showMasterSp="0" showMasterPhAnim="0">
   <p:cSld>
     <p:spTree>
@@ -2947,7 +3008,7 @@
               </a:spcAft>
               <a:buNone/>
             </a:pPr>
-            <a:endParaRPr/>
+            <a:endParaRPr dirty="0"/>
           </a:p>
         </p:txBody>
       </p:sp>
@@ -6316,31 +6377,6 @@
           </a:p>
         </p:txBody>
       </p:sp>
-      <p:sp>
-        <p:nvSpPr>
-          <p:cNvPr id="3" name="Espaço Reservado para Texto 2">
-            <a:extLst>
-              <a:ext uri="{FF2B5EF4-FFF2-40B4-BE49-F238E27FC236}">
-                <a16:creationId xmlns:a16="http://schemas.microsoft.com/office/drawing/2014/main" id="{975AE2C4-3202-E14D-8BAF-3B6B0B7C1940}"/>
-              </a:ext>
-            </a:extLst>
-          </p:cNvPr>
-          <p:cNvSpPr>
-            <a:spLocks noGrp="1"/>
-          </p:cNvSpPr>
-          <p:nvPr>
-            <p:ph type="body" idx="1"/>
-          </p:nvPr>
-        </p:nvSpPr>
-        <p:spPr/>
-        <p:txBody>
-          <a:bodyPr/>
-          <a:lstStyle/>
-          <a:p>
-            <a:endParaRPr lang="pt-BR" dirty="0"/>
-          </a:p>
-        </p:txBody>
-      </p:sp>
       <p:pic>
         <p:nvPicPr>
           <p:cNvPr id="4" name="Picture 2" descr="https://upload.wikimedia.org/wikipedia/commons/thumb/f/ff/St_5-xband-antenna.jpg/220px-St_5-xband-antenna.jpg">
@@ -7487,53 +7523,36 @@
           </a:p>
           <a:p>
             <a:r>
-              <a:rPr lang="en-US" dirty="0"/>
-              <a:t>Exploration / Exploitation</a:t>
-            </a:r>
-          </a:p>
-          <a:p>
-            <a:endParaRPr lang="en-US" dirty="0"/>
-          </a:p>
-          <a:p>
-            <a:r>
-              <a:rPr lang="en-US" dirty="0" err="1"/>
-              <a:t>Resolução</a:t>
-            </a:r>
-            <a:r>
-              <a:rPr lang="en-US" dirty="0"/>
-              <a:t> da mochila por </a:t>
-            </a:r>
-            <a:r>
-              <a:rPr lang="en-US" dirty="0" err="1"/>
-              <a:t>algoritmos</a:t>
-            </a:r>
-            <a:r>
-              <a:rPr lang="en-US" dirty="0"/>
-              <a:t> </a:t>
-            </a:r>
-            <a:r>
-              <a:rPr lang="en-US" dirty="0" err="1"/>
-              <a:t>genéticos</a:t>
-            </a:r>
-            <a:endParaRPr lang="en-US" dirty="0"/>
-          </a:p>
-          <a:p>
-            <a:endParaRPr lang="en-US" dirty="0"/>
-          </a:p>
-          <a:p>
-            <a:r>
-              <a:rPr lang="en-US" dirty="0" err="1"/>
-              <a:t>Algoritmos</a:t>
-            </a:r>
-            <a:r>
-              <a:rPr lang="en-US" dirty="0"/>
-              <a:t> </a:t>
-            </a:r>
-            <a:r>
-              <a:rPr lang="en-US" dirty="0" err="1"/>
-              <a:t>aleatorizados</a:t>
-            </a:r>
-            <a:endParaRPr lang="en-US" dirty="0"/>
+              <a:rPr lang="pt-BR" dirty="0" err="1"/>
+              <a:t>Exploration</a:t>
+            </a:r>
+            <a:r>
+              <a:rPr lang="pt-BR" dirty="0"/>
+              <a:t> / </a:t>
+            </a:r>
+            <a:r>
+              <a:rPr lang="pt-BR" dirty="0" err="1"/>
+              <a:t>Exploitation</a:t>
+            </a:r>
+            <a:endParaRPr lang="pt-BR" dirty="0"/>
+          </a:p>
+          <a:p>
+            <a:endParaRPr lang="pt-BR" dirty="0"/>
+          </a:p>
+          <a:p>
+            <a:r>
+              <a:rPr lang="pt-BR" dirty="0"/>
+              <a:t>Resolução da mochila por algoritmos genéticos</a:t>
+            </a:r>
+          </a:p>
+          <a:p>
+            <a:endParaRPr lang="pt-BR" dirty="0"/>
+          </a:p>
+          <a:p>
+            <a:r>
+              <a:rPr lang="pt-BR" dirty="0"/>
+              <a:t>Algoritmos aleatorizados</a:t>
+            </a:r>
           </a:p>
           <a:p>
             <a:endParaRPr lang="en-US" dirty="0"/>
@@ -8950,18 +8969,9 @@
           <a:lstStyle/>
           <a:p>
             <a:r>
-              <a:rPr lang="pt-BR" dirty="0" err="1"/>
-              <a:t>Exploration</a:t>
-            </a:r>
-            <a:r>
-              <a:rPr lang="pt-BR" dirty="0"/>
-              <a:t> vs. </a:t>
-            </a:r>
-            <a:r>
-              <a:rPr lang="pt-BR" dirty="0" err="1"/>
-              <a:t>Exploitation</a:t>
-            </a:r>
-            <a:endParaRPr lang="pt-BR" dirty="0"/>
+              <a:rPr lang="en-US" dirty="0"/>
+              <a:t>Exploration vs. Exploitation</a:t>
+            </a:r>
           </a:p>
         </p:txBody>
       </p:sp>
@@ -9155,7 +9165,7 @@
               <a:defRPr/>
             </a:pPr>
             <a:r>
-              <a:rPr lang="pt-BR" sz="1200" b="1" dirty="0" err="1">
+              <a:rPr lang="en-US" sz="1200" b="1" dirty="0">
                 <a:solidFill>
                   <a:srgbClr val="C00000"/>
                 </a:solidFill>
@@ -9163,18 +9173,7 @@
                 <a:ea typeface="Verdana" panose="020B0604030504040204" pitchFamily="34" charset="0"/>
                 <a:cs typeface="Verdana" panose="020B0604030504040204" pitchFamily="34" charset="0"/>
               </a:rPr>
-              <a:t>Exploration</a:t>
-            </a:r>
-            <a:r>
-              <a:rPr lang="pt-BR" sz="1200" b="1" dirty="0">
-                <a:solidFill>
-                  <a:srgbClr val="C00000"/>
-                </a:solidFill>
-                <a:latin typeface="Verdana" panose="020B0604030504040204" pitchFamily="34" charset="0"/>
-                <a:ea typeface="Verdana" panose="020B0604030504040204" pitchFamily="34" charset="0"/>
-                <a:cs typeface="Verdana" panose="020B0604030504040204" pitchFamily="34" charset="0"/>
-              </a:rPr>
-              <a:t>:</a:t>
+              <a:t>Exploration:</a:t>
             </a:r>
           </a:p>
           <a:p>
@@ -9236,14 +9235,14 @@
         <p:spPr>
           <a:xfrm>
             <a:off x="4721628" y="3812379"/>
-            <a:ext cx="4572000" cy="1070614"/>
+            <a:ext cx="4422372" cy="1070614"/>
           </a:xfrm>
           <a:prstGeom prst="rect">
             <a:avLst/>
           </a:prstGeom>
         </p:spPr>
         <p:txBody>
-          <a:bodyPr>
+          <a:bodyPr wrap="square">
             <a:spAutoFit/>
           </a:bodyPr>
           <a:lstStyle/>
@@ -9252,7 +9251,7 @@
               <a:defRPr/>
             </a:pPr>
             <a:r>
-              <a:rPr lang="pt-BR" sz="1200" b="1" dirty="0" err="1">
+              <a:rPr lang="en-US" sz="1200" b="1" dirty="0">
                 <a:solidFill>
                   <a:srgbClr val="C00000"/>
                 </a:solidFill>
@@ -9260,20 +9259,9 @@
                 <a:ea typeface="Verdana" panose="020B0604030504040204" pitchFamily="34" charset="0"/>
                 <a:cs typeface="Verdana" panose="020B0604030504040204" pitchFamily="34" charset="0"/>
               </a:rPr>
-              <a:t>Exploitation</a:t>
-            </a:r>
-            <a:r>
-              <a:rPr lang="pt-BR" sz="1200" b="1" dirty="0">
-                <a:solidFill>
-                  <a:srgbClr val="C00000"/>
-                </a:solidFill>
-                <a:latin typeface="Verdana" panose="020B0604030504040204" pitchFamily="34" charset="0"/>
-                <a:ea typeface="Verdana" panose="020B0604030504040204" pitchFamily="34" charset="0"/>
-                <a:cs typeface="Verdana" panose="020B0604030504040204" pitchFamily="34" charset="0"/>
-              </a:rPr>
-              <a:t>: </a:t>
-            </a:r>
-            <a:endParaRPr lang="pt-BR" sz="1200" dirty="0">
+              <a:t>Exploitation: </a:t>
+            </a:r>
+            <a:endParaRPr lang="en-US" sz="1200" dirty="0">
               <a:solidFill>
                 <a:srgbClr val="C00000"/>
               </a:solidFill>
@@ -9389,18 +9377,9 @@
           <a:lstStyle/>
           <a:p>
             <a:r>
-              <a:rPr lang="pt-BR" dirty="0" err="1"/>
-              <a:t>Exploration</a:t>
-            </a:r>
-            <a:r>
-              <a:rPr lang="pt-BR" dirty="0"/>
-              <a:t> vs. </a:t>
-            </a:r>
-            <a:r>
-              <a:rPr lang="pt-BR" dirty="0" err="1"/>
-              <a:t>Exploitation</a:t>
-            </a:r>
-            <a:endParaRPr lang="pt-BR" dirty="0"/>
+              <a:rPr lang="en-US" dirty="0"/>
+              <a:t>Exploration vs. Exploitation</a:t>
+            </a:r>
           </a:p>
         </p:txBody>
       </p:sp>
@@ -9806,7 +9785,7 @@
               <a:defRPr/>
             </a:pPr>
             <a:r>
-              <a:rPr lang="pt-BR" b="1" dirty="0" err="1">
+              <a:rPr lang="en-US" b="1" dirty="0">
                 <a:solidFill>
                   <a:srgbClr val="C00000"/>
                 </a:solidFill>
@@ -9814,7 +9793,7 @@
                 <a:ea typeface="Verdana" panose="020B0604030504040204" pitchFamily="34" charset="0"/>
                 <a:cs typeface="Verdana" panose="020B0604030504040204" pitchFamily="34" charset="0"/>
               </a:rPr>
-              <a:t>Exploration</a:t>
+              <a:t>Exploration vs Exploitation </a:t>
             </a:r>
             <a:r>
               <a:rPr lang="pt-BR" b="1" dirty="0">
@@ -9825,51 +9804,7 @@
                 <a:ea typeface="Verdana" panose="020B0604030504040204" pitchFamily="34" charset="0"/>
                 <a:cs typeface="Verdana" panose="020B0604030504040204" pitchFamily="34" charset="0"/>
               </a:rPr>
-              <a:t> </a:t>
-            </a:r>
-            <a:r>
-              <a:rPr lang="pt-BR" b="1" dirty="0" err="1">
-                <a:solidFill>
-                  <a:srgbClr val="C00000"/>
-                </a:solidFill>
-                <a:latin typeface="Verdana" panose="020B0604030504040204" pitchFamily="34" charset="0"/>
-                <a:ea typeface="Verdana" panose="020B0604030504040204" pitchFamily="34" charset="0"/>
-                <a:cs typeface="Verdana" panose="020B0604030504040204" pitchFamily="34" charset="0"/>
-              </a:rPr>
-              <a:t>vs</a:t>
-            </a:r>
-            <a:r>
-              <a:rPr lang="pt-BR" b="1" dirty="0">
-                <a:solidFill>
-                  <a:srgbClr val="C00000"/>
-                </a:solidFill>
-                <a:latin typeface="Verdana" panose="020B0604030504040204" pitchFamily="34" charset="0"/>
-                <a:ea typeface="Verdana" panose="020B0604030504040204" pitchFamily="34" charset="0"/>
-                <a:cs typeface="Verdana" panose="020B0604030504040204" pitchFamily="34" charset="0"/>
-              </a:rPr>
-              <a:t> </a:t>
-            </a:r>
-            <a:r>
-              <a:rPr lang="pt-BR" b="1" dirty="0" err="1">
-                <a:solidFill>
-                  <a:srgbClr val="C00000"/>
-                </a:solidFill>
-                <a:latin typeface="Verdana" panose="020B0604030504040204" pitchFamily="34" charset="0"/>
-                <a:ea typeface="Verdana" panose="020B0604030504040204" pitchFamily="34" charset="0"/>
-                <a:cs typeface="Verdana" panose="020B0604030504040204" pitchFamily="34" charset="0"/>
-              </a:rPr>
-              <a:t>Exploitation</a:t>
-            </a:r>
-            <a:r>
-              <a:rPr lang="pt-BR" b="1" dirty="0">
-                <a:solidFill>
-                  <a:srgbClr val="C00000"/>
-                </a:solidFill>
-                <a:latin typeface="Verdana" panose="020B0604030504040204" pitchFamily="34" charset="0"/>
-                <a:ea typeface="Verdana" panose="020B0604030504040204" pitchFamily="34" charset="0"/>
-                <a:cs typeface="Verdana" panose="020B0604030504040204" pitchFamily="34" charset="0"/>
-              </a:rPr>
-              <a:t> em Algoritmos Genéticos</a:t>
+              <a:t>em Algoritmos Genéticos</a:t>
             </a:r>
           </a:p>
           <a:p>
@@ -10003,12 +9938,103 @@
         </p:nvGrpSpPr>
         <p:grpSpPr>
           <a:xfrm>
-            <a:off x="1293542" y="149741"/>
+            <a:off x="1321864" y="149741"/>
             <a:ext cx="7378972" cy="4993759"/>
             <a:chOff x="407716" y="170206"/>
             <a:chExt cx="9039209" cy="6352316"/>
           </a:xfrm>
         </p:grpSpPr>
+        <p:pic>
+          <p:nvPicPr>
+            <p:cNvPr id="24" name="Imagem 23">
+              <a:extLst>
+                <a:ext uri="{FF2B5EF4-FFF2-40B4-BE49-F238E27FC236}">
+                  <a16:creationId xmlns:a16="http://schemas.microsoft.com/office/drawing/2014/main" id="{E7972D49-5B49-0B4F-832A-7AEF9643D401}"/>
+                </a:ext>
+              </a:extLst>
+            </p:cNvPr>
+            <p:cNvPicPr>
+              <a:picLocks noChangeAspect="1"/>
+            </p:cNvPicPr>
+            <p:nvPr/>
+          </p:nvPicPr>
+          <p:blipFill rotWithShape="1">
+            <a:blip r:embed="rId3" cstate="screen">
+              <a:extLst>
+                <a:ext uri="{28A0092B-C50C-407E-A947-70E740481C1C}">
+                  <a14:useLocalDpi xmlns:a14="http://schemas.microsoft.com/office/drawing/2010/main"/>
+                </a:ext>
+              </a:extLst>
+            </a:blip>
+            <a:srcRect t="20044"/>
+            <a:stretch/>
+          </p:blipFill>
+          <p:spPr>
+            <a:xfrm>
+              <a:off x="3555819" y="4697138"/>
+              <a:ext cx="2232248" cy="115150"/>
+            </a:xfrm>
+            <a:prstGeom prst="rect">
+              <a:avLst/>
+            </a:prstGeom>
+          </p:spPr>
+        </p:pic>
+        <p:sp>
+          <p:nvSpPr>
+            <p:cNvPr id="32" name="Retângulo 31">
+              <a:extLst>
+                <a:ext uri="{FF2B5EF4-FFF2-40B4-BE49-F238E27FC236}">
+                  <a16:creationId xmlns:a16="http://schemas.microsoft.com/office/drawing/2014/main" id="{6FAFB29B-83AA-2F4B-9CE4-DACA58E13BC4}"/>
+                </a:ext>
+              </a:extLst>
+            </p:cNvPr>
+            <p:cNvSpPr/>
+            <p:nvPr/>
+          </p:nvSpPr>
+          <p:spPr>
+            <a:xfrm>
+              <a:off x="3633591" y="4650779"/>
+              <a:ext cx="1643420" cy="209291"/>
+            </a:xfrm>
+            <a:prstGeom prst="rect">
+              <a:avLst/>
+            </a:prstGeom>
+            <a:solidFill>
+              <a:schemeClr val="accent4">
+                <a:lumMod val="60000"/>
+                <a:lumOff val="40000"/>
+                <a:alpha val="41000"/>
+              </a:schemeClr>
+            </a:solidFill>
+            <a:ln>
+              <a:noFill/>
+            </a:ln>
+          </p:spPr>
+          <p:style>
+            <a:lnRef idx="2">
+              <a:schemeClr val="accent1">
+                <a:shade val="50000"/>
+              </a:schemeClr>
+            </a:lnRef>
+            <a:fillRef idx="1">
+              <a:schemeClr val="accent1"/>
+            </a:fillRef>
+            <a:effectRef idx="0">
+              <a:schemeClr val="accent1"/>
+            </a:effectRef>
+            <a:fontRef idx="minor">
+              <a:schemeClr val="lt1"/>
+            </a:fontRef>
+          </p:style>
+          <p:txBody>
+            <a:bodyPr rtlCol="0" anchor="ctr"/>
+            <a:lstStyle/>
+            <a:p>
+              <a:pPr algn="ctr"/>
+              <a:endParaRPr lang="pt-BR" sz="1100" dirty="0"/>
+            </a:p>
+          </p:txBody>
+        </p:sp>
         <p:pic>
           <p:nvPicPr>
             <p:cNvPr id="4" name="Imagem 3">
@@ -10024,7 +10050,7 @@
             <p:nvPr/>
           </p:nvPicPr>
           <p:blipFill>
-            <a:blip r:embed="rId2" cstate="screen">
+            <a:blip r:embed="rId4" cstate="screen">
               <a:extLst>
                 <a:ext uri="{28A0092B-C50C-407E-A947-70E740481C1C}">
                   <a14:useLocalDpi xmlns:a14="http://schemas.microsoft.com/office/drawing/2010/main"/>
@@ -10060,7 +10086,7 @@
             <p:nvPr/>
           </p:nvPicPr>
           <p:blipFill>
-            <a:blip r:embed="rId3" cstate="screen">
+            <a:blip r:embed="rId5" cstate="screen">
               <a:extLst>
                 <a:ext uri="{28A0092B-C50C-407E-A947-70E740481C1C}">
                   <a14:useLocalDpi xmlns:a14="http://schemas.microsoft.com/office/drawing/2010/main"/>
@@ -10096,7 +10122,7 @@
             <p:nvPr/>
           </p:nvPicPr>
           <p:blipFill rotWithShape="1">
-            <a:blip r:embed="rId4" cstate="screen">
+            <a:blip r:embed="rId6" cstate="screen">
               <a:extLst>
                 <a:ext uri="{28A0092B-C50C-407E-A947-70E740481C1C}">
                   <a14:useLocalDpi xmlns:a14="http://schemas.microsoft.com/office/drawing/2010/main"/>
@@ -10196,7 +10222,7 @@
             <p:nvPr/>
           </p:nvPicPr>
           <p:blipFill>
-            <a:blip r:embed="rId5" cstate="screen">
+            <a:blip r:embed="rId7" cstate="screen">
               <a:extLst>
                 <a:ext uri="{28A0092B-C50C-407E-A947-70E740481C1C}">
                   <a14:useLocalDpi xmlns:a14="http://schemas.microsoft.com/office/drawing/2010/main"/>
@@ -10605,20 +10631,20 @@
             <p:nvPr/>
           </p:nvPicPr>
           <p:blipFill rotWithShape="1">
-            <a:blip r:embed="rId6" cstate="screen">
+            <a:blip r:embed="rId3" cstate="screen">
               <a:extLst>
                 <a:ext uri="{28A0092B-C50C-407E-A947-70E740481C1C}">
                   <a14:useLocalDpi xmlns:a14="http://schemas.microsoft.com/office/drawing/2010/main"/>
                 </a:ext>
               </a:extLst>
             </a:blip>
-            <a:srcRect/>
+            <a:srcRect t="12015"/>
             <a:stretch/>
           </p:blipFill>
           <p:spPr>
             <a:xfrm>
-              <a:off x="5589792" y="2880963"/>
-              <a:ext cx="2232248" cy="144017"/>
+              <a:off x="5589792" y="2898266"/>
+              <a:ext cx="2232248" cy="126713"/>
             </a:xfrm>
             <a:prstGeom prst="rect">
               <a:avLst/>
@@ -10640,7 +10666,7 @@
             <p:nvPr/>
           </p:nvPicPr>
           <p:blipFill rotWithShape="1">
-            <a:blip r:embed="rId7" cstate="screen">
+            <a:blip r:embed="rId8" cstate="screen">
               <a:extLst>
                 <a:ext uri="{28A0092B-C50C-407E-A947-70E740481C1C}">
                   <a14:useLocalDpi xmlns:a14="http://schemas.microsoft.com/office/drawing/2010/main"/>
@@ -10675,7 +10701,7 @@
             <p:nvPr/>
           </p:nvPicPr>
           <p:blipFill rotWithShape="1">
-            <a:blip r:embed="rId8" cstate="screen">
+            <a:blip r:embed="rId9" cstate="screen">
               <a:extLst>
                 <a:ext uri="{28A0092B-C50C-407E-A947-70E740481C1C}">
                   <a14:useLocalDpi xmlns:a14="http://schemas.microsoft.com/office/drawing/2010/main"/>
@@ -10710,7 +10736,7 @@
             <p:nvPr/>
           </p:nvPicPr>
           <p:blipFill rotWithShape="1">
-            <a:blip r:embed="rId9" cstate="screen">
+            <a:blip r:embed="rId10" cstate="screen">
               <a:extLst>
                 <a:ext uri="{28A0092B-C50C-407E-A947-70E740481C1C}">
                   <a14:useLocalDpi xmlns:a14="http://schemas.microsoft.com/office/drawing/2010/main"/>
@@ -10786,7 +10812,7 @@
             <p:nvPr/>
           </p:nvPicPr>
           <p:blipFill rotWithShape="1">
-            <a:blip r:embed="rId7" cstate="screen">
+            <a:blip r:embed="rId8" cstate="screen">
               <a:extLst>
                 <a:ext uri="{28A0092B-C50C-407E-A947-70E740481C1C}">
                   <a14:useLocalDpi xmlns:a14="http://schemas.microsoft.com/office/drawing/2010/main"/>
@@ -10800,41 +10826,6 @@
             <a:xfrm>
               <a:off x="3672709" y="4448470"/>
               <a:ext cx="1584177" cy="144016"/>
-            </a:xfrm>
-            <a:prstGeom prst="rect">
-              <a:avLst/>
-            </a:prstGeom>
-          </p:spPr>
-        </p:pic>
-        <p:pic>
-          <p:nvPicPr>
-            <p:cNvPr id="24" name="Imagem 23">
-              <a:extLst>
-                <a:ext uri="{FF2B5EF4-FFF2-40B4-BE49-F238E27FC236}">
-                  <a16:creationId xmlns:a16="http://schemas.microsoft.com/office/drawing/2014/main" id="{E7972D49-5B49-0B4F-832A-7AEF9643D401}"/>
-                </a:ext>
-              </a:extLst>
-            </p:cNvPr>
-            <p:cNvPicPr>
-              <a:picLocks noChangeAspect="1"/>
-            </p:cNvPicPr>
-            <p:nvPr/>
-          </p:nvPicPr>
-          <p:blipFill rotWithShape="1">
-            <a:blip r:embed="rId6" cstate="screen">
-              <a:extLst>
-                <a:ext uri="{28A0092B-C50C-407E-A947-70E740481C1C}">
-                  <a14:useLocalDpi xmlns:a14="http://schemas.microsoft.com/office/drawing/2010/main"/>
-                </a:ext>
-              </a:extLst>
-            </a:blip>
-            <a:srcRect/>
-            <a:stretch/>
-          </p:blipFill>
-          <p:spPr>
-            <a:xfrm>
-              <a:off x="3555819" y="4668273"/>
-              <a:ext cx="2232248" cy="144017"/>
             </a:xfrm>
             <a:prstGeom prst="rect">
               <a:avLst/>
@@ -10857,7 +10848,7 @@
           </p:nvCxnSpPr>
           <p:spPr>
             <a:xfrm>
-              <a:off x="4453707" y="4330677"/>
+              <a:off x="4411320" y="4330676"/>
               <a:ext cx="0" cy="604650"/>
             </a:xfrm>
             <a:prstGeom prst="line">
@@ -10948,7 +10939,7 @@
             <p:nvPr/>
           </p:nvPicPr>
           <p:blipFill>
-            <a:blip r:embed="rId10" cstate="screen">
+            <a:blip r:embed="rId11" cstate="screen">
               <a:extLst>
                 <a:ext uri="{28A0092B-C50C-407E-A947-70E740481C1C}">
                   <a14:useLocalDpi xmlns:a14="http://schemas.microsoft.com/office/drawing/2010/main"/>
@@ -10984,7 +10975,7 @@
             <p:nvPr/>
           </p:nvPicPr>
           <p:blipFill>
-            <a:blip r:embed="rId11" cstate="screen">
+            <a:blip r:embed="rId12" cstate="screen">
               <a:extLst>
                 <a:ext uri="{28A0092B-C50C-407E-A947-70E740481C1C}">
                   <a14:useLocalDpi xmlns:a14="http://schemas.microsoft.com/office/drawing/2010/main"/>
@@ -11139,62 +11130,6 @@
               <a:schemeClr val="accent3">
                 <a:lumMod val="20000"/>
                 <a:lumOff val="80000"/>
-                <a:alpha val="41000"/>
-              </a:schemeClr>
-            </a:solidFill>
-            <a:ln>
-              <a:noFill/>
-            </a:ln>
-          </p:spPr>
-          <p:style>
-            <a:lnRef idx="2">
-              <a:schemeClr val="accent1">
-                <a:shade val="50000"/>
-              </a:schemeClr>
-            </a:lnRef>
-            <a:fillRef idx="1">
-              <a:schemeClr val="accent1"/>
-            </a:fillRef>
-            <a:effectRef idx="0">
-              <a:schemeClr val="accent1"/>
-            </a:effectRef>
-            <a:fontRef idx="minor">
-              <a:schemeClr val="lt1"/>
-            </a:fontRef>
-          </p:style>
-          <p:txBody>
-            <a:bodyPr rtlCol="0" anchor="ctr"/>
-            <a:lstStyle/>
-            <a:p>
-              <a:pPr algn="ctr"/>
-              <a:endParaRPr lang="pt-BR" sz="1100"/>
-            </a:p>
-          </p:txBody>
-        </p:sp>
-        <p:sp>
-          <p:nvSpPr>
-            <p:cNvPr id="32" name="Retângulo 31">
-              <a:extLst>
-                <a:ext uri="{FF2B5EF4-FFF2-40B4-BE49-F238E27FC236}">
-                  <a16:creationId xmlns:a16="http://schemas.microsoft.com/office/drawing/2014/main" id="{6FAFB29B-83AA-2F4B-9CE4-DACA58E13BC4}"/>
-                </a:ext>
-              </a:extLst>
-            </p:cNvPr>
-            <p:cNvSpPr/>
-            <p:nvPr/>
-          </p:nvSpPr>
-          <p:spPr>
-            <a:xfrm>
-              <a:off x="3633591" y="4650779"/>
-              <a:ext cx="1643420" cy="209291"/>
-            </a:xfrm>
-            <a:prstGeom prst="rect">
-              <a:avLst/>
-            </a:prstGeom>
-            <a:solidFill>
-              <a:schemeClr val="accent4">
-                <a:lumMod val="60000"/>
-                <a:lumOff val="40000"/>
                 <a:alpha val="41000"/>
               </a:schemeClr>
             </a:solidFill>
@@ -11505,7 +11440,7 @@
             <p:nvPr/>
           </p:nvPicPr>
           <p:blipFill>
-            <a:blip r:embed="rId11" cstate="screen">
+            <a:blip r:embed="rId12" cstate="screen">
               <a:extLst>
                 <a:ext uri="{28A0092B-C50C-407E-A947-70E740481C1C}">
                   <a14:useLocalDpi xmlns:a14="http://schemas.microsoft.com/office/drawing/2010/main"/>
@@ -11595,7 +11530,7 @@
             <p:nvPr/>
           </p:nvPicPr>
           <p:blipFill>
-            <a:blip r:embed="rId12" cstate="screen">
+            <a:blip r:embed="rId13" cstate="screen">
               <a:extLst>
                 <a:ext uri="{28A0092B-C50C-407E-A947-70E740481C1C}">
                   <a14:useLocalDpi xmlns:a14="http://schemas.microsoft.com/office/drawing/2010/main"/>
@@ -11686,7 +11621,7 @@
             <p:nvPr/>
           </p:nvPicPr>
           <p:blipFill>
-            <a:blip r:embed="rId13" cstate="screen">
+            <a:blip r:embed="rId14" cstate="screen">
               <a:extLst>
                 <a:ext uri="{28A0092B-C50C-407E-A947-70E740481C1C}">
                   <a14:useLocalDpi xmlns:a14="http://schemas.microsoft.com/office/drawing/2010/main"/>
@@ -11733,7 +11668,7 @@
             <p:nvPr/>
           </p:nvPicPr>
           <p:blipFill>
-            <a:blip r:embed="rId14">
+            <a:blip r:embed="rId15">
               <a:extLst>
                 <a:ext uri="{28A0092B-C50C-407E-A947-70E740481C1C}">
                   <a14:useLocalDpi xmlns:a14="http://schemas.microsoft.com/office/drawing/2010/main"/>
@@ -11876,7 +11811,7 @@
             <p:nvPr/>
           </p:nvPicPr>
           <p:blipFill>
-            <a:blip r:embed="rId15" cstate="screen">
+            <a:blip r:embed="rId16" cstate="screen">
               <a:alphaModFix amt="35000"/>
               <a:extLst>
                 <a:ext uri="{28A0092B-C50C-407E-A947-70E740481C1C}">
@@ -11911,7 +11846,7 @@
             <p:nvPr/>
           </p:nvPicPr>
           <p:blipFill>
-            <a:blip r:embed="rId16" cstate="screen">
+            <a:blip r:embed="rId17" cstate="screen">
               <a:alphaModFix amt="44000"/>
               <a:extLst>
                 <a:ext uri="{28A0092B-C50C-407E-A947-70E740481C1C}">
